--- a/Komplexe_Service_Situation.pptx
+++ b/Komplexe_Service_Situation.pptx
@@ -6,6 +6,7 @@
   </p:sldMasterIdLst>
   <p:sldIdLst>
     <p:sldId id="256" r:id="rId2"/>
+    <p:sldId id="257" r:id="rId3"/>
   </p:sldIdLst>
   <p:sldSz cx="12192000" cy="6858000"/>
   <p:notesSz cx="6858000" cy="9144000"/>
@@ -104,6 +105,11 @@
       </a:defRPr>
     </a:lvl9pPr>
   </p:defaultTextStyle>
+  <p:extLst>
+    <p:ext uri="{EFAFB233-063F-42B5-8137-9DF3F51BA10A}">
+      <p15:sldGuideLst xmlns:p15="http://schemas.microsoft.com/office/powerpoint/2012/main"/>
+    </p:ext>
+  </p:extLst>
 </p:presentation>
 </file>
 
@@ -254,7 +260,7 @@
           <a:p>
             <a:fld id="{DE2276F9-F8AD-4C48-A4C6-0CCD3E029EC4}" type="datetimeFigureOut">
               <a:rPr lang="de-DE" smtClean="0"/>
-              <a:t>20.01.2023</a:t>
+              <a:t>23.01.2023</a:t>
             </a:fld>
             <a:endParaRPr lang="de-DE"/>
           </a:p>
@@ -452,7 +458,7 @@
           <a:p>
             <a:fld id="{DE2276F9-F8AD-4C48-A4C6-0CCD3E029EC4}" type="datetimeFigureOut">
               <a:rPr lang="de-DE" smtClean="0"/>
-              <a:t>20.01.2023</a:t>
+              <a:t>23.01.2023</a:t>
             </a:fld>
             <a:endParaRPr lang="de-DE"/>
           </a:p>
@@ -660,7 +666,7 @@
           <a:p>
             <a:fld id="{DE2276F9-F8AD-4C48-A4C6-0CCD3E029EC4}" type="datetimeFigureOut">
               <a:rPr lang="de-DE" smtClean="0"/>
-              <a:t>20.01.2023</a:t>
+              <a:t>23.01.2023</a:t>
             </a:fld>
             <a:endParaRPr lang="de-DE"/>
           </a:p>
@@ -858,7 +864,7 @@
           <a:p>
             <a:fld id="{DE2276F9-F8AD-4C48-A4C6-0CCD3E029EC4}" type="datetimeFigureOut">
               <a:rPr lang="de-DE" smtClean="0"/>
-              <a:t>20.01.2023</a:t>
+              <a:t>23.01.2023</a:t>
             </a:fld>
             <a:endParaRPr lang="de-DE"/>
           </a:p>
@@ -1133,7 +1139,7 @@
           <a:p>
             <a:fld id="{DE2276F9-F8AD-4C48-A4C6-0CCD3E029EC4}" type="datetimeFigureOut">
               <a:rPr lang="de-DE" smtClean="0"/>
-              <a:t>20.01.2023</a:t>
+              <a:t>23.01.2023</a:t>
             </a:fld>
             <a:endParaRPr lang="de-DE"/>
           </a:p>
@@ -1398,7 +1404,7 @@
           <a:p>
             <a:fld id="{DE2276F9-F8AD-4C48-A4C6-0CCD3E029EC4}" type="datetimeFigureOut">
               <a:rPr lang="de-DE" smtClean="0"/>
-              <a:t>20.01.2023</a:t>
+              <a:t>23.01.2023</a:t>
             </a:fld>
             <a:endParaRPr lang="de-DE"/>
           </a:p>
@@ -1810,7 +1816,7 @@
           <a:p>
             <a:fld id="{DE2276F9-F8AD-4C48-A4C6-0CCD3E029EC4}" type="datetimeFigureOut">
               <a:rPr lang="de-DE" smtClean="0"/>
-              <a:t>20.01.2023</a:t>
+              <a:t>23.01.2023</a:t>
             </a:fld>
             <a:endParaRPr lang="de-DE"/>
           </a:p>
@@ -1951,7 +1957,7 @@
           <a:p>
             <a:fld id="{DE2276F9-F8AD-4C48-A4C6-0CCD3E029EC4}" type="datetimeFigureOut">
               <a:rPr lang="de-DE" smtClean="0"/>
-              <a:t>20.01.2023</a:t>
+              <a:t>23.01.2023</a:t>
             </a:fld>
             <a:endParaRPr lang="de-DE"/>
           </a:p>
@@ -2064,7 +2070,7 @@
           <a:p>
             <a:fld id="{DE2276F9-F8AD-4C48-A4C6-0CCD3E029EC4}" type="datetimeFigureOut">
               <a:rPr lang="de-DE" smtClean="0"/>
-              <a:t>20.01.2023</a:t>
+              <a:t>23.01.2023</a:t>
             </a:fld>
             <a:endParaRPr lang="de-DE"/>
           </a:p>
@@ -2375,7 +2381,7 @@
           <a:p>
             <a:fld id="{DE2276F9-F8AD-4C48-A4C6-0CCD3E029EC4}" type="datetimeFigureOut">
               <a:rPr lang="de-DE" smtClean="0"/>
-              <a:t>20.01.2023</a:t>
+              <a:t>23.01.2023</a:t>
             </a:fld>
             <a:endParaRPr lang="de-DE"/>
           </a:p>
@@ -2663,7 +2669,7 @@
           <a:p>
             <a:fld id="{DE2276F9-F8AD-4C48-A4C6-0CCD3E029EC4}" type="datetimeFigureOut">
               <a:rPr lang="de-DE" smtClean="0"/>
-              <a:t>20.01.2023</a:t>
+              <a:t>23.01.2023</a:t>
             </a:fld>
             <a:endParaRPr lang="de-DE"/>
           </a:p>
@@ -2904,7 +2910,7 @@
           <a:p>
             <a:fld id="{DE2276F9-F8AD-4C48-A4C6-0CCD3E029EC4}" type="datetimeFigureOut">
               <a:rPr lang="de-DE" smtClean="0"/>
-              <a:t>20.01.2023</a:t>
+              <a:t>23.01.2023</a:t>
             </a:fld>
             <a:endParaRPr lang="de-DE"/>
           </a:p>
@@ -3343,34 +3349,37 @@
           <a:lstStyle/>
           <a:p>
             <a:r>
+              <a:rPr lang="de-DE" b="1" dirty="0"/>
+              <a:t>Komplexe Service Situation</a:t>
+            </a:r>
+          </a:p>
+        </p:txBody>
+      </p:sp>
+      <p:sp>
+        <p:nvSpPr>
+          <p:cNvPr id="3" name="Untertitel 2">
+            <a:extLst>
+              <a:ext uri="{FF2B5EF4-FFF2-40B4-BE49-F238E27FC236}">
+                <a16:creationId xmlns:a16="http://schemas.microsoft.com/office/drawing/2014/main" id="{521FC935-3779-449C-83A6-47D89AF035FC}"/>
+              </a:ext>
+            </a:extLst>
+          </p:cNvPr>
+          <p:cNvSpPr>
+            <a:spLocks noGrp="1"/>
+          </p:cNvSpPr>
+          <p:nvPr>
+            <p:ph type="subTitle" idx="1"/>
+          </p:nvPr>
+        </p:nvSpPr>
+        <p:spPr/>
+        <p:txBody>
+          <a:bodyPr/>
+          <a:lstStyle/>
+          <a:p>
+            <a:r>
               <a:rPr lang="de-DE" dirty="0"/>
-              <a:t>Komplexe Service Situation</a:t>
-            </a:r>
-          </a:p>
-        </p:txBody>
-      </p:sp>
-      <p:sp>
-        <p:nvSpPr>
-          <p:cNvPr id="3" name="Untertitel 2">
-            <a:extLst>
-              <a:ext uri="{FF2B5EF4-FFF2-40B4-BE49-F238E27FC236}">
-                <a16:creationId xmlns:a16="http://schemas.microsoft.com/office/drawing/2014/main" id="{521FC935-3779-449C-83A6-47D89AF035FC}"/>
-              </a:ext>
-            </a:extLst>
-          </p:cNvPr>
-          <p:cNvSpPr>
-            <a:spLocks noGrp="1"/>
-          </p:cNvSpPr>
-          <p:nvPr>
-            <p:ph type="subTitle" idx="1"/>
-          </p:nvPr>
-        </p:nvSpPr>
-        <p:spPr/>
-        <p:txBody>
-          <a:bodyPr/>
-          <a:lstStyle/>
-          <a:p>
-            <a:endParaRPr lang="de-DE"/>
+              <a:t>ungewöhnliches Lüftergeräusch am Laptop</a:t>
+            </a:r>
           </a:p>
         </p:txBody>
       </p:sp>
@@ -3378,6 +3387,89 @@
     <p:extLst>
       <p:ext uri="{BB962C8B-B14F-4D97-AF65-F5344CB8AC3E}">
         <p14:creationId xmlns:p14="http://schemas.microsoft.com/office/powerpoint/2010/main" val="3486346029"/>
+      </p:ext>
+    </p:extLst>
+  </p:cSld>
+  <p:clrMapOvr>
+    <a:masterClrMapping/>
+  </p:clrMapOvr>
+</p:sld>
+</file>
+
+<file path=ppt/slides/slide2.xml><?xml version="1.0" encoding="utf-8"?>
+<p:sld xmlns:a="http://schemas.openxmlformats.org/drawingml/2006/main" xmlns:r="http://schemas.openxmlformats.org/officeDocument/2006/relationships" xmlns:p="http://schemas.openxmlformats.org/presentationml/2006/main">
+  <p:cSld>
+    <p:spTree>
+      <p:nvGrpSpPr>
+        <p:cNvPr id="1" name=""/>
+        <p:cNvGrpSpPr/>
+        <p:nvPr/>
+      </p:nvGrpSpPr>
+      <p:grpSpPr>
+        <a:xfrm>
+          <a:off x="0" y="0"/>
+          <a:ext cx="0" cy="0"/>
+          <a:chOff x="0" y="0"/>
+          <a:chExt cx="0" cy="0"/>
+        </a:xfrm>
+      </p:grpSpPr>
+      <p:sp>
+        <p:nvSpPr>
+          <p:cNvPr id="4" name="Titel 3">
+            <a:extLst>
+              <a:ext uri="{FF2B5EF4-FFF2-40B4-BE49-F238E27FC236}">
+                <a16:creationId xmlns:a16="http://schemas.microsoft.com/office/drawing/2014/main" id="{B14A85AA-6E29-49B6-A33A-FEED9AD55296}"/>
+              </a:ext>
+            </a:extLst>
+          </p:cNvPr>
+          <p:cNvSpPr>
+            <a:spLocks noGrp="1"/>
+          </p:cNvSpPr>
+          <p:nvPr>
+            <p:ph type="title"/>
+          </p:nvPr>
+        </p:nvSpPr>
+        <p:spPr/>
+        <p:txBody>
+          <a:bodyPr/>
+          <a:lstStyle/>
+          <a:p>
+            <a:r>
+              <a:rPr lang="de-DE" b="1" dirty="0"/>
+              <a:t>1. Ticketerstellung</a:t>
+            </a:r>
+          </a:p>
+        </p:txBody>
+      </p:sp>
+      <p:sp>
+        <p:nvSpPr>
+          <p:cNvPr id="5" name="Inhaltsplatzhalter 4">
+            <a:extLst>
+              <a:ext uri="{FF2B5EF4-FFF2-40B4-BE49-F238E27FC236}">
+                <a16:creationId xmlns:a16="http://schemas.microsoft.com/office/drawing/2014/main" id="{CF7B269D-8D95-480C-8959-914E843BCA77}"/>
+              </a:ext>
+            </a:extLst>
+          </p:cNvPr>
+          <p:cNvSpPr>
+            <a:spLocks noGrp="1"/>
+          </p:cNvSpPr>
+          <p:nvPr>
+            <p:ph idx="1"/>
+          </p:nvPr>
+        </p:nvSpPr>
+        <p:spPr/>
+        <p:txBody>
+          <a:bodyPr/>
+          <a:lstStyle/>
+          <a:p>
+            <a:endParaRPr lang="de-DE" dirty="0"/>
+          </a:p>
+        </p:txBody>
+      </p:sp>
+    </p:spTree>
+    <p:extLst>
+      <p:ext uri="{BB962C8B-B14F-4D97-AF65-F5344CB8AC3E}">
+        <p14:creationId xmlns:p14="http://schemas.microsoft.com/office/powerpoint/2010/main" val="1656992851"/>
       </p:ext>
     </p:extLst>
   </p:cSld>

--- a/Komplexe_Service_Situation.pptx
+++ b/Komplexe_Service_Situation.pptx
@@ -1,12 +1,21 @@
 
 <file path=ppt/presentation.xml><?xml version="1.0" encoding="utf-8"?>
-<p:presentation xmlns:a="http://schemas.openxmlformats.org/drawingml/2006/main" xmlns:r="http://schemas.openxmlformats.org/officeDocument/2006/relationships" xmlns:p="http://schemas.openxmlformats.org/presentationml/2006/main" saveSubsetFonts="1">
+<p:presentation xmlns:a="http://schemas.openxmlformats.org/drawingml/2006/main" xmlns:r="http://schemas.openxmlformats.org/officeDocument/2006/relationships" xmlns:p="http://schemas.openxmlformats.org/presentationml/2006/main" showSpecialPlsOnTitleSld="0" saveSubsetFonts="1">
   <p:sldMasterIdLst>
     <p:sldMasterId id="2147483648" r:id="rId1"/>
   </p:sldMasterIdLst>
+  <p:notesMasterIdLst>
+    <p:notesMasterId r:id="rId10"/>
+  </p:notesMasterIdLst>
   <p:sldIdLst>
     <p:sldId id="256" r:id="rId2"/>
-    <p:sldId id="257" r:id="rId3"/>
+    <p:sldId id="258" r:id="rId3"/>
+    <p:sldId id="257" r:id="rId4"/>
+    <p:sldId id="259" r:id="rId5"/>
+    <p:sldId id="260" r:id="rId6"/>
+    <p:sldId id="261" r:id="rId7"/>
+    <p:sldId id="262" r:id="rId8"/>
+    <p:sldId id="263" r:id="rId9"/>
   </p:sldIdLst>
   <p:sldSz cx="12192000" cy="6858000"/>
   <p:notesSz cx="6858000" cy="9144000"/>
@@ -113,6 +122,539 @@
 </p:presentation>
 </file>
 
+<file path=ppt/revisionInfo.xml><?xml version="1.0" encoding="utf-8"?>
+<p1510:revInfo xmlns:a="http://schemas.openxmlformats.org/drawingml/2006/main" xmlns:r="http://schemas.openxmlformats.org/officeDocument/2006/relationships" xmlns:p1510="http://schemas.microsoft.com/office/powerpoint/2015/10/main">
+  <p1510:revLst>
+    <p1510:client id="{97C86990-E6CB-4F4C-BB05-85960824F0FD}" v="1" dt="2023-01-26T16:19:21.138"/>
+  </p1510:revLst>
+</p1510:revInfo>
+</file>
+
+<file path=ppt/changesInfos/changesInfo1.xml><?xml version="1.0" encoding="utf-8"?>
+<pc:chgInfo xmlns:a="http://schemas.openxmlformats.org/drawingml/2006/main" xmlns:r="http://schemas.openxmlformats.org/officeDocument/2006/relationships" xmlns:ac="http://schemas.microsoft.com/office/drawing/2013/main/command" xmlns:pc="http://schemas.microsoft.com/office/powerpoint/2013/main/command">
+  <pc:docChgLst>
+    <pc:chgData name="Ullmann, Max" userId="534c7823-6b49-4b94-983a-495b871f3582" providerId="ADAL" clId="{97C86990-E6CB-4F4C-BB05-85960824F0FD}"/>
+    <pc:docChg chg="custSel addSld modSld sldOrd">
+      <pc:chgData name="Ullmann, Max" userId="534c7823-6b49-4b94-983a-495b871f3582" providerId="ADAL" clId="{97C86990-E6CB-4F4C-BB05-85960824F0FD}" dt="2023-01-26T16:20:16.628" v="1626" actId="20577"/>
+      <pc:docMkLst>
+        <pc:docMk/>
+      </pc:docMkLst>
+      <pc:sldChg chg="modSp mod">
+        <pc:chgData name="Ullmann, Max" userId="534c7823-6b49-4b94-983a-495b871f3582" providerId="ADAL" clId="{97C86990-E6CB-4F4C-BB05-85960824F0FD}" dt="2023-01-26T16:08:40.964" v="393" actId="20577"/>
+        <pc:sldMkLst>
+          <pc:docMk/>
+          <pc:sldMk cId="1656992851" sldId="257"/>
+        </pc:sldMkLst>
+        <pc:spChg chg="mod">
+          <ac:chgData name="Ullmann, Max" userId="534c7823-6b49-4b94-983a-495b871f3582" providerId="ADAL" clId="{97C86990-E6CB-4F4C-BB05-85960824F0FD}" dt="2023-01-26T16:03:36.503" v="222" actId="20577"/>
+          <ac:spMkLst>
+            <pc:docMk/>
+            <pc:sldMk cId="1656992851" sldId="257"/>
+            <ac:spMk id="4" creationId="{B14A85AA-6E29-49B6-A33A-FEED9AD55296}"/>
+          </ac:spMkLst>
+        </pc:spChg>
+        <pc:spChg chg="mod">
+          <ac:chgData name="Ullmann, Max" userId="534c7823-6b49-4b94-983a-495b871f3582" providerId="ADAL" clId="{97C86990-E6CB-4F4C-BB05-85960824F0FD}" dt="2023-01-26T16:08:40.964" v="393" actId="20577"/>
+          <ac:spMkLst>
+            <pc:docMk/>
+            <pc:sldMk cId="1656992851" sldId="257"/>
+            <ac:spMk id="5" creationId="{CF7B269D-8D95-480C-8959-914E843BCA77}"/>
+          </ac:spMkLst>
+        </pc:spChg>
+      </pc:sldChg>
+      <pc:sldChg chg="modSp new mod ord">
+        <pc:chgData name="Ullmann, Max" userId="534c7823-6b49-4b94-983a-495b871f3582" providerId="ADAL" clId="{97C86990-E6CB-4F4C-BB05-85960824F0FD}" dt="2023-01-26T16:20:16.628" v="1626" actId="20577"/>
+        <pc:sldMkLst>
+          <pc:docMk/>
+          <pc:sldMk cId="1119696798" sldId="258"/>
+        </pc:sldMkLst>
+        <pc:spChg chg="mod">
+          <ac:chgData name="Ullmann, Max" userId="534c7823-6b49-4b94-983a-495b871f3582" providerId="ADAL" clId="{97C86990-E6CB-4F4C-BB05-85960824F0FD}" dt="2023-01-26T15:59:48.080" v="9" actId="113"/>
+          <ac:spMkLst>
+            <pc:docMk/>
+            <pc:sldMk cId="1119696798" sldId="258"/>
+            <ac:spMk id="2" creationId="{1DF322B0-2873-45AA-86D1-17BFFEDA0F0F}"/>
+          </ac:spMkLst>
+        </pc:spChg>
+        <pc:spChg chg="mod">
+          <ac:chgData name="Ullmann, Max" userId="534c7823-6b49-4b94-983a-495b871f3582" providerId="ADAL" clId="{97C86990-E6CB-4F4C-BB05-85960824F0FD}" dt="2023-01-26T16:20:16.628" v="1626" actId="20577"/>
+          <ac:spMkLst>
+            <pc:docMk/>
+            <pc:sldMk cId="1119696798" sldId="258"/>
+            <ac:spMk id="3" creationId="{B9A6FA38-E856-4D42-BF6C-979F5169A4EF}"/>
+          </ac:spMkLst>
+        </pc:spChg>
+      </pc:sldChg>
+      <pc:sldChg chg="modSp new mod">
+        <pc:chgData name="Ullmann, Max" userId="534c7823-6b49-4b94-983a-495b871f3582" providerId="ADAL" clId="{97C86990-E6CB-4F4C-BB05-85960824F0FD}" dt="2023-01-26T16:11:01.198" v="655" actId="20577"/>
+        <pc:sldMkLst>
+          <pc:docMk/>
+          <pc:sldMk cId="3386533643" sldId="259"/>
+        </pc:sldMkLst>
+        <pc:spChg chg="mod">
+          <ac:chgData name="Ullmann, Max" userId="534c7823-6b49-4b94-983a-495b871f3582" providerId="ADAL" clId="{97C86990-E6CB-4F4C-BB05-85960824F0FD}" dt="2023-01-26T16:08:56.835" v="426" actId="113"/>
+          <ac:spMkLst>
+            <pc:docMk/>
+            <pc:sldMk cId="3386533643" sldId="259"/>
+            <ac:spMk id="2" creationId="{5FB80C38-9F40-4A9C-85B3-DEBCA9F73DB1}"/>
+          </ac:spMkLst>
+        </pc:spChg>
+        <pc:spChg chg="mod">
+          <ac:chgData name="Ullmann, Max" userId="534c7823-6b49-4b94-983a-495b871f3582" providerId="ADAL" clId="{97C86990-E6CB-4F4C-BB05-85960824F0FD}" dt="2023-01-26T16:11:01.198" v="655" actId="20577"/>
+          <ac:spMkLst>
+            <pc:docMk/>
+            <pc:sldMk cId="3386533643" sldId="259"/>
+            <ac:spMk id="3" creationId="{59C7A306-8185-441E-B153-6AB9F11E01DD}"/>
+          </ac:spMkLst>
+        </pc:spChg>
+      </pc:sldChg>
+      <pc:sldChg chg="modSp new mod">
+        <pc:chgData name="Ullmann, Max" userId="534c7823-6b49-4b94-983a-495b871f3582" providerId="ADAL" clId="{97C86990-E6CB-4F4C-BB05-85960824F0FD}" dt="2023-01-26T16:12:49.242" v="879" actId="20577"/>
+        <pc:sldMkLst>
+          <pc:docMk/>
+          <pc:sldMk cId="2495469104" sldId="260"/>
+        </pc:sldMkLst>
+        <pc:spChg chg="mod">
+          <ac:chgData name="Ullmann, Max" userId="534c7823-6b49-4b94-983a-495b871f3582" providerId="ADAL" clId="{97C86990-E6CB-4F4C-BB05-85960824F0FD}" dt="2023-01-26T16:11:31.579" v="716" actId="20577"/>
+          <ac:spMkLst>
+            <pc:docMk/>
+            <pc:sldMk cId="2495469104" sldId="260"/>
+            <ac:spMk id="2" creationId="{3ED2CC6F-AFCB-43F2-ADC6-810A4EF7D731}"/>
+          </ac:spMkLst>
+        </pc:spChg>
+        <pc:spChg chg="mod">
+          <ac:chgData name="Ullmann, Max" userId="534c7823-6b49-4b94-983a-495b871f3582" providerId="ADAL" clId="{97C86990-E6CB-4F4C-BB05-85960824F0FD}" dt="2023-01-26T16:12:49.242" v="879" actId="20577"/>
+          <ac:spMkLst>
+            <pc:docMk/>
+            <pc:sldMk cId="2495469104" sldId="260"/>
+            <ac:spMk id="3" creationId="{EF4A2B69-7141-4B05-B516-4E2404A9111B}"/>
+          </ac:spMkLst>
+        </pc:spChg>
+      </pc:sldChg>
+      <pc:sldChg chg="modSp new mod">
+        <pc:chgData name="Ullmann, Max" userId="534c7823-6b49-4b94-983a-495b871f3582" providerId="ADAL" clId="{97C86990-E6CB-4F4C-BB05-85960824F0FD}" dt="2023-01-26T16:16:31.994" v="1317" actId="20577"/>
+        <pc:sldMkLst>
+          <pc:docMk/>
+          <pc:sldMk cId="2499371640" sldId="261"/>
+        </pc:sldMkLst>
+        <pc:spChg chg="mod">
+          <ac:chgData name="Ullmann, Max" userId="534c7823-6b49-4b94-983a-495b871f3582" providerId="ADAL" clId="{97C86990-E6CB-4F4C-BB05-85960824F0FD}" dt="2023-01-26T16:13:04.259" v="913" actId="20577"/>
+          <ac:spMkLst>
+            <pc:docMk/>
+            <pc:sldMk cId="2499371640" sldId="261"/>
+            <ac:spMk id="2" creationId="{43929A88-5F5C-407F-A267-A3120A2A4DF7}"/>
+          </ac:spMkLst>
+        </pc:spChg>
+        <pc:spChg chg="mod">
+          <ac:chgData name="Ullmann, Max" userId="534c7823-6b49-4b94-983a-495b871f3582" providerId="ADAL" clId="{97C86990-E6CB-4F4C-BB05-85960824F0FD}" dt="2023-01-26T16:16:31.994" v="1317" actId="20577"/>
+          <ac:spMkLst>
+            <pc:docMk/>
+            <pc:sldMk cId="2499371640" sldId="261"/>
+            <ac:spMk id="3" creationId="{74959B12-4A71-4365-9AF3-2245CE34B27F}"/>
+          </ac:spMkLst>
+        </pc:spChg>
+      </pc:sldChg>
+      <pc:sldChg chg="modSp new mod">
+        <pc:chgData name="Ullmann, Max" userId="534c7823-6b49-4b94-983a-495b871f3582" providerId="ADAL" clId="{97C86990-E6CB-4F4C-BB05-85960824F0FD}" dt="2023-01-26T16:16:42.024" v="1318" actId="20577"/>
+        <pc:sldMkLst>
+          <pc:docMk/>
+          <pc:sldMk cId="1073424642" sldId="262"/>
+        </pc:sldMkLst>
+        <pc:spChg chg="mod">
+          <ac:chgData name="Ullmann, Max" userId="534c7823-6b49-4b94-983a-495b871f3582" providerId="ADAL" clId="{97C86990-E6CB-4F4C-BB05-85960824F0FD}" dt="2023-01-26T16:15:10.236" v="1126" actId="20577"/>
+          <ac:spMkLst>
+            <pc:docMk/>
+            <pc:sldMk cId="1073424642" sldId="262"/>
+            <ac:spMk id="2" creationId="{D3C641A6-A89D-4E78-AB63-718DD786DA35}"/>
+          </ac:spMkLst>
+        </pc:spChg>
+        <pc:spChg chg="mod">
+          <ac:chgData name="Ullmann, Max" userId="534c7823-6b49-4b94-983a-495b871f3582" providerId="ADAL" clId="{97C86990-E6CB-4F4C-BB05-85960824F0FD}" dt="2023-01-26T16:16:42.024" v="1318" actId="20577"/>
+          <ac:spMkLst>
+            <pc:docMk/>
+            <pc:sldMk cId="1073424642" sldId="262"/>
+            <ac:spMk id="3" creationId="{DB7C8ACE-0E3E-4EF9-92FB-106E20945147}"/>
+          </ac:spMkLst>
+        </pc:spChg>
+      </pc:sldChg>
+      <pc:sldChg chg="modSp new mod">
+        <pc:chgData name="Ullmann, Max" userId="534c7823-6b49-4b94-983a-495b871f3582" providerId="ADAL" clId="{97C86990-E6CB-4F4C-BB05-85960824F0FD}" dt="2023-01-26T16:18:50.088" v="1582" actId="20577"/>
+        <pc:sldMkLst>
+          <pc:docMk/>
+          <pc:sldMk cId="1652364014" sldId="263"/>
+        </pc:sldMkLst>
+        <pc:spChg chg="mod">
+          <ac:chgData name="Ullmann, Max" userId="534c7823-6b49-4b94-983a-495b871f3582" providerId="ADAL" clId="{97C86990-E6CB-4F4C-BB05-85960824F0FD}" dt="2023-01-26T16:17:25.726" v="1373" actId="20577"/>
+          <ac:spMkLst>
+            <pc:docMk/>
+            <pc:sldMk cId="1652364014" sldId="263"/>
+            <ac:spMk id="2" creationId="{B176A621-7843-4B8E-9307-38EE009DF0D6}"/>
+          </ac:spMkLst>
+        </pc:spChg>
+        <pc:spChg chg="mod">
+          <ac:chgData name="Ullmann, Max" userId="534c7823-6b49-4b94-983a-495b871f3582" providerId="ADAL" clId="{97C86990-E6CB-4F4C-BB05-85960824F0FD}" dt="2023-01-26T16:18:50.088" v="1582" actId="20577"/>
+          <ac:spMkLst>
+            <pc:docMk/>
+            <pc:sldMk cId="1652364014" sldId="263"/>
+            <ac:spMk id="3" creationId="{6C891437-7FEB-4347-B0D4-F1144F35B077}"/>
+          </ac:spMkLst>
+        </pc:spChg>
+      </pc:sldChg>
+    </pc:docChg>
+  </pc:docChgLst>
+</pc:chgInfo>
+</file>
+
+<file path=ppt/notesMasters/notesMaster1.xml><?xml version="1.0" encoding="utf-8"?>
+<p:notesMaster xmlns:a="http://schemas.openxmlformats.org/drawingml/2006/main" xmlns:r="http://schemas.openxmlformats.org/officeDocument/2006/relationships" xmlns:p="http://schemas.openxmlformats.org/presentationml/2006/main">
+  <p:cSld>
+    <p:bg>
+      <p:bgRef idx="1001">
+        <a:schemeClr val="bg1"/>
+      </p:bgRef>
+    </p:bg>
+    <p:spTree>
+      <p:nvGrpSpPr>
+        <p:cNvPr id="1" name=""/>
+        <p:cNvGrpSpPr/>
+        <p:nvPr/>
+      </p:nvGrpSpPr>
+      <p:grpSpPr>
+        <a:xfrm>
+          <a:off x="0" y="0"/>
+          <a:ext cx="0" cy="0"/>
+          <a:chOff x="0" y="0"/>
+          <a:chExt cx="0" cy="0"/>
+        </a:xfrm>
+      </p:grpSpPr>
+      <p:sp>
+        <p:nvSpPr>
+          <p:cNvPr id="2" name="Header Placeholder 1"/>
+          <p:cNvSpPr>
+            <a:spLocks noGrp="1"/>
+          </p:cNvSpPr>
+          <p:nvPr>
+            <p:ph type="hdr" sz="quarter"/>
+          </p:nvPr>
+        </p:nvSpPr>
+        <p:spPr>
+          <a:xfrm>
+            <a:off x="0" y="0"/>
+            <a:ext cx="2971800" cy="458788"/>
+          </a:xfrm>
+          <a:prstGeom prst="rect">
+            <a:avLst/>
+          </a:prstGeom>
+        </p:spPr>
+        <p:txBody>
+          <a:bodyPr vert="horz" lIns="91440" tIns="45720" rIns="91440" bIns="45720" rtlCol="0"/>
+          <a:lstStyle>
+            <a:lvl1pPr algn="l">
+              <a:defRPr sz="1200"/>
+            </a:lvl1pPr>
+          </a:lstStyle>
+          <a:p>
+            <a:endParaRPr lang="de-DE"/>
+          </a:p>
+        </p:txBody>
+      </p:sp>
+      <p:sp>
+        <p:nvSpPr>
+          <p:cNvPr id="3" name="Date Placeholder 2"/>
+          <p:cNvSpPr>
+            <a:spLocks noGrp="1"/>
+          </p:cNvSpPr>
+          <p:nvPr>
+            <p:ph type="dt" idx="1"/>
+          </p:nvPr>
+        </p:nvSpPr>
+        <p:spPr>
+          <a:xfrm>
+            <a:off x="3884613" y="0"/>
+            <a:ext cx="2971800" cy="458788"/>
+          </a:xfrm>
+          <a:prstGeom prst="rect">
+            <a:avLst/>
+          </a:prstGeom>
+        </p:spPr>
+        <p:txBody>
+          <a:bodyPr vert="horz" lIns="91440" tIns="45720" rIns="91440" bIns="45720" rtlCol="0"/>
+          <a:lstStyle>
+            <a:lvl1pPr algn="r">
+              <a:defRPr sz="1200"/>
+            </a:lvl1pPr>
+          </a:lstStyle>
+          <a:p>
+            <a:fld id="{C4D85373-6C48-41A0-898E-FEBBFE4AD104}" type="datetimeFigureOut">
+              <a:rPr lang="de-DE" smtClean="0"/>
+              <a:t>26.01.2023</a:t>
+            </a:fld>
+            <a:endParaRPr lang="de-DE"/>
+          </a:p>
+        </p:txBody>
+      </p:sp>
+      <p:sp>
+        <p:nvSpPr>
+          <p:cNvPr id="4" name="Slide Image Placeholder 3"/>
+          <p:cNvSpPr>
+            <a:spLocks noGrp="1" noRot="1" noChangeAspect="1"/>
+          </p:cNvSpPr>
+          <p:nvPr>
+            <p:ph type="sldImg" idx="2"/>
+          </p:nvPr>
+        </p:nvSpPr>
+        <p:spPr>
+          <a:xfrm>
+            <a:off x="685800" y="1143000"/>
+            <a:ext cx="5486400" cy="3086100"/>
+          </a:xfrm>
+          <a:prstGeom prst="rect">
+            <a:avLst/>
+          </a:prstGeom>
+          <a:noFill/>
+          <a:ln w="12700">
+            <a:solidFill>
+              <a:prstClr val="black"/>
+            </a:solidFill>
+          </a:ln>
+        </p:spPr>
+        <p:txBody>
+          <a:bodyPr vert="horz" lIns="91440" tIns="45720" rIns="91440" bIns="45720" rtlCol="0" anchor="ctr"/>
+          <a:lstStyle/>
+          <a:p>
+            <a:endParaRPr lang="de-DE"/>
+          </a:p>
+        </p:txBody>
+      </p:sp>
+      <p:sp>
+        <p:nvSpPr>
+          <p:cNvPr id="5" name="Notes Placeholder 4"/>
+          <p:cNvSpPr>
+            <a:spLocks noGrp="1"/>
+          </p:cNvSpPr>
+          <p:nvPr>
+            <p:ph type="body" sz="quarter" idx="3"/>
+          </p:nvPr>
+        </p:nvSpPr>
+        <p:spPr>
+          <a:xfrm>
+            <a:off x="685800" y="4400550"/>
+            <a:ext cx="5486400" cy="3600450"/>
+          </a:xfrm>
+          <a:prstGeom prst="rect">
+            <a:avLst/>
+          </a:prstGeom>
+        </p:spPr>
+        <p:txBody>
+          <a:bodyPr vert="horz" lIns="91440" tIns="45720" rIns="91440" bIns="45720" rtlCol="0"/>
+          <a:lstStyle/>
+          <a:p>
+            <a:pPr lvl="0"/>
+            <a:r>
+              <a:rPr lang="en-US"/>
+              <a:t>Click to edit Master text styles</a:t>
+            </a:r>
+          </a:p>
+          <a:p>
+            <a:pPr lvl="1"/>
+            <a:r>
+              <a:rPr lang="en-US"/>
+              <a:t>Second level</a:t>
+            </a:r>
+          </a:p>
+          <a:p>
+            <a:pPr lvl="2"/>
+            <a:r>
+              <a:rPr lang="en-US"/>
+              <a:t>Third level</a:t>
+            </a:r>
+          </a:p>
+          <a:p>
+            <a:pPr lvl="3"/>
+            <a:r>
+              <a:rPr lang="en-US"/>
+              <a:t>Fourth level</a:t>
+            </a:r>
+          </a:p>
+          <a:p>
+            <a:pPr lvl="4"/>
+            <a:r>
+              <a:rPr lang="en-US"/>
+              <a:t>Fifth level</a:t>
+            </a:r>
+            <a:endParaRPr lang="de-DE"/>
+          </a:p>
+        </p:txBody>
+      </p:sp>
+      <p:sp>
+        <p:nvSpPr>
+          <p:cNvPr id="6" name="Footer Placeholder 5"/>
+          <p:cNvSpPr>
+            <a:spLocks noGrp="1"/>
+          </p:cNvSpPr>
+          <p:nvPr>
+            <p:ph type="ftr" sz="quarter" idx="4"/>
+          </p:nvPr>
+        </p:nvSpPr>
+        <p:spPr>
+          <a:xfrm>
+            <a:off x="0" y="8685213"/>
+            <a:ext cx="2971800" cy="458787"/>
+          </a:xfrm>
+          <a:prstGeom prst="rect">
+            <a:avLst/>
+          </a:prstGeom>
+        </p:spPr>
+        <p:txBody>
+          <a:bodyPr vert="horz" lIns="91440" tIns="45720" rIns="91440" bIns="45720" rtlCol="0" anchor="b"/>
+          <a:lstStyle>
+            <a:lvl1pPr algn="l">
+              <a:defRPr sz="1200"/>
+            </a:lvl1pPr>
+          </a:lstStyle>
+          <a:p>
+            <a:endParaRPr lang="de-DE"/>
+          </a:p>
+        </p:txBody>
+      </p:sp>
+      <p:sp>
+        <p:nvSpPr>
+          <p:cNvPr id="7" name="Slide Number Placeholder 6"/>
+          <p:cNvSpPr>
+            <a:spLocks noGrp="1"/>
+          </p:cNvSpPr>
+          <p:nvPr>
+            <p:ph type="sldNum" sz="quarter" idx="5"/>
+          </p:nvPr>
+        </p:nvSpPr>
+        <p:spPr>
+          <a:xfrm>
+            <a:off x="3884613" y="8685213"/>
+            <a:ext cx="2971800" cy="458787"/>
+          </a:xfrm>
+          <a:prstGeom prst="rect">
+            <a:avLst/>
+          </a:prstGeom>
+        </p:spPr>
+        <p:txBody>
+          <a:bodyPr vert="horz" lIns="91440" tIns="45720" rIns="91440" bIns="45720" rtlCol="0" anchor="b"/>
+          <a:lstStyle>
+            <a:lvl1pPr algn="r">
+              <a:defRPr sz="1200"/>
+            </a:lvl1pPr>
+          </a:lstStyle>
+          <a:p>
+            <a:fld id="{6DEDA902-84AC-4345-82F7-CAB90A86F909}" type="slidenum">
+              <a:rPr lang="de-DE" smtClean="0"/>
+              <a:t>‹#›</a:t>
+            </a:fld>
+            <a:endParaRPr lang="de-DE"/>
+          </a:p>
+        </p:txBody>
+      </p:sp>
+    </p:spTree>
+    <p:extLst>
+      <p:ext uri="{BB962C8B-B14F-4D97-AF65-F5344CB8AC3E}">
+        <p14:creationId xmlns:p14="http://schemas.microsoft.com/office/powerpoint/2010/main" val="3849420927"/>
+      </p:ext>
+    </p:extLst>
+  </p:cSld>
+  <p:clrMap bg1="lt1" tx1="dk1" bg2="lt2" tx2="dk2" accent1="accent1" accent2="accent2" accent3="accent3" accent4="accent4" accent5="accent5" accent6="accent6" hlink="hlink" folHlink="folHlink"/>
+  <p:notesStyle>
+    <a:lvl1pPr marL="0" algn="l" defTabSz="914400" rtl="0" eaLnBrk="1" latinLnBrk="0" hangingPunct="1">
+      <a:defRPr sz="1200" kern="1200">
+        <a:solidFill>
+          <a:schemeClr val="tx1"/>
+        </a:solidFill>
+        <a:latin typeface="+mn-lt"/>
+        <a:ea typeface="+mn-ea"/>
+        <a:cs typeface="+mn-cs"/>
+      </a:defRPr>
+    </a:lvl1pPr>
+    <a:lvl2pPr marL="457200" algn="l" defTabSz="914400" rtl="0" eaLnBrk="1" latinLnBrk="0" hangingPunct="1">
+      <a:defRPr sz="1200" kern="1200">
+        <a:solidFill>
+          <a:schemeClr val="tx1"/>
+        </a:solidFill>
+        <a:latin typeface="+mn-lt"/>
+        <a:ea typeface="+mn-ea"/>
+        <a:cs typeface="+mn-cs"/>
+      </a:defRPr>
+    </a:lvl2pPr>
+    <a:lvl3pPr marL="914400" algn="l" defTabSz="914400" rtl="0" eaLnBrk="1" latinLnBrk="0" hangingPunct="1">
+      <a:defRPr sz="1200" kern="1200">
+        <a:solidFill>
+          <a:schemeClr val="tx1"/>
+        </a:solidFill>
+        <a:latin typeface="+mn-lt"/>
+        <a:ea typeface="+mn-ea"/>
+        <a:cs typeface="+mn-cs"/>
+      </a:defRPr>
+    </a:lvl3pPr>
+    <a:lvl4pPr marL="1371600" algn="l" defTabSz="914400" rtl="0" eaLnBrk="1" latinLnBrk="0" hangingPunct="1">
+      <a:defRPr sz="1200" kern="1200">
+        <a:solidFill>
+          <a:schemeClr val="tx1"/>
+        </a:solidFill>
+        <a:latin typeface="+mn-lt"/>
+        <a:ea typeface="+mn-ea"/>
+        <a:cs typeface="+mn-cs"/>
+      </a:defRPr>
+    </a:lvl4pPr>
+    <a:lvl5pPr marL="1828800" algn="l" defTabSz="914400" rtl="0" eaLnBrk="1" latinLnBrk="0" hangingPunct="1">
+      <a:defRPr sz="1200" kern="1200">
+        <a:solidFill>
+          <a:schemeClr val="tx1"/>
+        </a:solidFill>
+        <a:latin typeface="+mn-lt"/>
+        <a:ea typeface="+mn-ea"/>
+        <a:cs typeface="+mn-cs"/>
+      </a:defRPr>
+    </a:lvl5pPr>
+    <a:lvl6pPr marL="2286000" algn="l" defTabSz="914400" rtl="0" eaLnBrk="1" latinLnBrk="0" hangingPunct="1">
+      <a:defRPr sz="1200" kern="1200">
+        <a:solidFill>
+          <a:schemeClr val="tx1"/>
+        </a:solidFill>
+        <a:latin typeface="+mn-lt"/>
+        <a:ea typeface="+mn-ea"/>
+        <a:cs typeface="+mn-cs"/>
+      </a:defRPr>
+    </a:lvl6pPr>
+    <a:lvl7pPr marL="2743200" algn="l" defTabSz="914400" rtl="0" eaLnBrk="1" latinLnBrk="0" hangingPunct="1">
+      <a:defRPr sz="1200" kern="1200">
+        <a:solidFill>
+          <a:schemeClr val="tx1"/>
+        </a:solidFill>
+        <a:latin typeface="+mn-lt"/>
+        <a:ea typeface="+mn-ea"/>
+        <a:cs typeface="+mn-cs"/>
+      </a:defRPr>
+    </a:lvl7pPr>
+    <a:lvl8pPr marL="3200400" algn="l" defTabSz="914400" rtl="0" eaLnBrk="1" latinLnBrk="0" hangingPunct="1">
+      <a:defRPr sz="1200" kern="1200">
+        <a:solidFill>
+          <a:schemeClr val="tx1"/>
+        </a:solidFill>
+        <a:latin typeface="+mn-lt"/>
+        <a:ea typeface="+mn-ea"/>
+        <a:cs typeface="+mn-cs"/>
+      </a:defRPr>
+    </a:lvl8pPr>
+    <a:lvl9pPr marL="3657600" algn="l" defTabSz="914400" rtl="0" eaLnBrk="1" latinLnBrk="0" hangingPunct="1">
+      <a:defRPr sz="1200" kern="1200">
+        <a:solidFill>
+          <a:schemeClr val="tx1"/>
+        </a:solidFill>
+        <a:latin typeface="+mn-lt"/>
+        <a:ea typeface="+mn-ea"/>
+        <a:cs typeface="+mn-cs"/>
+      </a:defRPr>
+    </a:lvl9pPr>
+  </p:notesStyle>
+</p:notesMaster>
+</file>
+
 <file path=ppt/slideLayouts/slideLayout1.xml><?xml version="1.0" encoding="utf-8"?>
 <p:sldLayout xmlns:a="http://schemas.openxmlformats.org/drawingml/2006/main" xmlns:r="http://schemas.openxmlformats.org/officeDocument/2006/relationships" xmlns:p="http://schemas.openxmlformats.org/presentationml/2006/main" type="title" preserve="1">
   <p:cSld name="Titelfolie">
@@ -258,9 +800,9 @@
           <a:bodyPr/>
           <a:lstStyle/>
           <a:p>
-            <a:fld id="{DE2276F9-F8AD-4C48-A4C6-0CCD3E029EC4}" type="datetimeFigureOut">
+            <a:fld id="{FF337094-167F-4377-A870-E1064578F2B8}" type="datetime1">
               <a:rPr lang="de-DE" smtClean="0"/>
-              <a:t>23.01.2023</a:t>
+              <a:t>26.01.2023</a:t>
             </a:fld>
             <a:endParaRPr lang="de-DE"/>
           </a:p>
@@ -287,7 +829,10 @@
           <a:bodyPr/>
           <a:lstStyle/>
           <a:p>
-            <a:endParaRPr lang="de-DE"/>
+            <a:r>
+              <a:rPr lang="de-DE"/>
+              <a:t>©Daniel Kühnel, Max Ullmann</a:t>
+            </a:r>
           </a:p>
         </p:txBody>
       </p:sp>
@@ -314,7 +859,7 @@
           <a:p>
             <a:fld id="{65E718DF-B0D6-46C6-A056-C9ACE8A44231}" type="slidenum">
               <a:rPr lang="de-DE" smtClean="0"/>
-              <a:t>‹Nr.›</a:t>
+              <a:t>‹#›</a:t>
             </a:fld>
             <a:endParaRPr lang="de-DE"/>
           </a:p>
@@ -456,9 +1001,9 @@
           <a:bodyPr/>
           <a:lstStyle/>
           <a:p>
-            <a:fld id="{DE2276F9-F8AD-4C48-A4C6-0CCD3E029EC4}" type="datetimeFigureOut">
+            <a:fld id="{29BDAC22-392B-4D9F-B705-45E47D0D220D}" type="datetime1">
               <a:rPr lang="de-DE" smtClean="0"/>
-              <a:t>23.01.2023</a:t>
+              <a:t>26.01.2023</a:t>
             </a:fld>
             <a:endParaRPr lang="de-DE"/>
           </a:p>
@@ -485,7 +1030,10 @@
           <a:bodyPr/>
           <a:lstStyle/>
           <a:p>
-            <a:endParaRPr lang="de-DE"/>
+            <a:r>
+              <a:rPr lang="de-DE"/>
+              <a:t>©Daniel Kühnel, Max Ullmann</a:t>
+            </a:r>
           </a:p>
         </p:txBody>
       </p:sp>
@@ -512,7 +1060,7 @@
           <a:p>
             <a:fld id="{65E718DF-B0D6-46C6-A056-C9ACE8A44231}" type="slidenum">
               <a:rPr lang="de-DE" smtClean="0"/>
-              <a:t>‹Nr.›</a:t>
+              <a:t>‹#›</a:t>
             </a:fld>
             <a:endParaRPr lang="de-DE"/>
           </a:p>
@@ -664,9 +1212,9 @@
           <a:bodyPr/>
           <a:lstStyle/>
           <a:p>
-            <a:fld id="{DE2276F9-F8AD-4C48-A4C6-0CCD3E029EC4}" type="datetimeFigureOut">
+            <a:fld id="{A51597FD-5D6F-4591-BEC1-97769C7385FD}" type="datetime1">
               <a:rPr lang="de-DE" smtClean="0"/>
-              <a:t>23.01.2023</a:t>
+              <a:t>26.01.2023</a:t>
             </a:fld>
             <a:endParaRPr lang="de-DE"/>
           </a:p>
@@ -693,7 +1241,10 @@
           <a:bodyPr/>
           <a:lstStyle/>
           <a:p>
-            <a:endParaRPr lang="de-DE"/>
+            <a:r>
+              <a:rPr lang="de-DE"/>
+              <a:t>©Daniel Kühnel, Max Ullmann</a:t>
+            </a:r>
           </a:p>
         </p:txBody>
       </p:sp>
@@ -720,7 +1271,7 @@
           <a:p>
             <a:fld id="{65E718DF-B0D6-46C6-A056-C9ACE8A44231}" type="slidenum">
               <a:rPr lang="de-DE" smtClean="0"/>
-              <a:t>‹Nr.›</a:t>
+              <a:t>‹#›</a:t>
             </a:fld>
             <a:endParaRPr lang="de-DE"/>
           </a:p>
@@ -862,9 +1413,9 @@
           <a:bodyPr/>
           <a:lstStyle/>
           <a:p>
-            <a:fld id="{DE2276F9-F8AD-4C48-A4C6-0CCD3E029EC4}" type="datetimeFigureOut">
+            <a:fld id="{6FBDAB98-375F-4282-A0D0-575627AFBA23}" type="datetime1">
               <a:rPr lang="de-DE" smtClean="0"/>
-              <a:t>23.01.2023</a:t>
+              <a:t>26.01.2023</a:t>
             </a:fld>
             <a:endParaRPr lang="de-DE"/>
           </a:p>
@@ -891,7 +1442,10 @@
           <a:bodyPr/>
           <a:lstStyle/>
           <a:p>
-            <a:endParaRPr lang="de-DE"/>
+            <a:r>
+              <a:rPr lang="de-DE"/>
+              <a:t>©Daniel Kühnel, Max Ullmann</a:t>
+            </a:r>
           </a:p>
         </p:txBody>
       </p:sp>
@@ -918,7 +1472,7 @@
           <a:p>
             <a:fld id="{65E718DF-B0D6-46C6-A056-C9ACE8A44231}" type="slidenum">
               <a:rPr lang="de-DE" smtClean="0"/>
-              <a:t>‹Nr.›</a:t>
+              <a:t>‹#›</a:t>
             </a:fld>
             <a:endParaRPr lang="de-DE"/>
           </a:p>
@@ -1137,9 +1691,9 @@
           <a:bodyPr/>
           <a:lstStyle/>
           <a:p>
-            <a:fld id="{DE2276F9-F8AD-4C48-A4C6-0CCD3E029EC4}" type="datetimeFigureOut">
+            <a:fld id="{4F72F395-EF81-4BEA-86C9-75E9CB67F290}" type="datetime1">
               <a:rPr lang="de-DE" smtClean="0"/>
-              <a:t>23.01.2023</a:t>
+              <a:t>26.01.2023</a:t>
             </a:fld>
             <a:endParaRPr lang="de-DE"/>
           </a:p>
@@ -1166,7 +1720,10 @@
           <a:bodyPr/>
           <a:lstStyle/>
           <a:p>
-            <a:endParaRPr lang="de-DE"/>
+            <a:r>
+              <a:rPr lang="de-DE"/>
+              <a:t>©Daniel Kühnel, Max Ullmann</a:t>
+            </a:r>
           </a:p>
         </p:txBody>
       </p:sp>
@@ -1193,7 +1750,7 @@
           <a:p>
             <a:fld id="{65E718DF-B0D6-46C6-A056-C9ACE8A44231}" type="slidenum">
               <a:rPr lang="de-DE" smtClean="0"/>
-              <a:t>‹Nr.›</a:t>
+              <a:t>‹#›</a:t>
             </a:fld>
             <a:endParaRPr lang="de-DE"/>
           </a:p>
@@ -1402,9 +1959,9 @@
           <a:bodyPr/>
           <a:lstStyle/>
           <a:p>
-            <a:fld id="{DE2276F9-F8AD-4C48-A4C6-0CCD3E029EC4}" type="datetimeFigureOut">
+            <a:fld id="{4D93ECC5-51DE-4647-B823-9F8A1F24DA52}" type="datetime1">
               <a:rPr lang="de-DE" smtClean="0"/>
-              <a:t>23.01.2023</a:t>
+              <a:t>26.01.2023</a:t>
             </a:fld>
             <a:endParaRPr lang="de-DE"/>
           </a:p>
@@ -1431,7 +1988,10 @@
           <a:bodyPr/>
           <a:lstStyle/>
           <a:p>
-            <a:endParaRPr lang="de-DE"/>
+            <a:r>
+              <a:rPr lang="de-DE"/>
+              <a:t>©Daniel Kühnel, Max Ullmann</a:t>
+            </a:r>
           </a:p>
         </p:txBody>
       </p:sp>
@@ -1458,7 +2018,7 @@
           <a:p>
             <a:fld id="{65E718DF-B0D6-46C6-A056-C9ACE8A44231}" type="slidenum">
               <a:rPr lang="de-DE" smtClean="0"/>
-              <a:t>‹Nr.›</a:t>
+              <a:t>‹#›</a:t>
             </a:fld>
             <a:endParaRPr lang="de-DE"/>
           </a:p>
@@ -1814,9 +2374,9 @@
           <a:bodyPr/>
           <a:lstStyle/>
           <a:p>
-            <a:fld id="{DE2276F9-F8AD-4C48-A4C6-0CCD3E029EC4}" type="datetimeFigureOut">
+            <a:fld id="{E5E8C15C-A9F7-425F-9B01-65F7390A56F9}" type="datetime1">
               <a:rPr lang="de-DE" smtClean="0"/>
-              <a:t>23.01.2023</a:t>
+              <a:t>26.01.2023</a:t>
             </a:fld>
             <a:endParaRPr lang="de-DE"/>
           </a:p>
@@ -1843,7 +2403,10 @@
           <a:bodyPr/>
           <a:lstStyle/>
           <a:p>
-            <a:endParaRPr lang="de-DE"/>
+            <a:r>
+              <a:rPr lang="de-DE"/>
+              <a:t>©Daniel Kühnel, Max Ullmann</a:t>
+            </a:r>
           </a:p>
         </p:txBody>
       </p:sp>
@@ -1870,7 +2433,7 @@
           <a:p>
             <a:fld id="{65E718DF-B0D6-46C6-A056-C9ACE8A44231}" type="slidenum">
               <a:rPr lang="de-DE" smtClean="0"/>
-              <a:t>‹Nr.›</a:t>
+              <a:t>‹#›</a:t>
             </a:fld>
             <a:endParaRPr lang="de-DE"/>
           </a:p>
@@ -1955,9 +2518,9 @@
           <a:bodyPr/>
           <a:lstStyle/>
           <a:p>
-            <a:fld id="{DE2276F9-F8AD-4C48-A4C6-0CCD3E029EC4}" type="datetimeFigureOut">
+            <a:fld id="{AA48DC97-F92C-477D-B6D4-0E3752C1A08C}" type="datetime1">
               <a:rPr lang="de-DE" smtClean="0"/>
-              <a:t>23.01.2023</a:t>
+              <a:t>26.01.2023</a:t>
             </a:fld>
             <a:endParaRPr lang="de-DE"/>
           </a:p>
@@ -1984,7 +2547,10 @@
           <a:bodyPr/>
           <a:lstStyle/>
           <a:p>
-            <a:endParaRPr lang="de-DE"/>
+            <a:r>
+              <a:rPr lang="de-DE"/>
+              <a:t>©Daniel Kühnel, Max Ullmann</a:t>
+            </a:r>
           </a:p>
         </p:txBody>
       </p:sp>
@@ -2011,7 +2577,7 @@
           <a:p>
             <a:fld id="{65E718DF-B0D6-46C6-A056-C9ACE8A44231}" type="slidenum">
               <a:rPr lang="de-DE" smtClean="0"/>
-              <a:t>‹Nr.›</a:t>
+              <a:t>‹#›</a:t>
             </a:fld>
             <a:endParaRPr lang="de-DE"/>
           </a:p>
@@ -2068,9 +2634,9 @@
           <a:bodyPr/>
           <a:lstStyle/>
           <a:p>
-            <a:fld id="{DE2276F9-F8AD-4C48-A4C6-0CCD3E029EC4}" type="datetimeFigureOut">
+            <a:fld id="{2D5D2337-BC5D-4384-A443-2C520FE5EDDB}" type="datetime1">
               <a:rPr lang="de-DE" smtClean="0"/>
-              <a:t>23.01.2023</a:t>
+              <a:t>26.01.2023</a:t>
             </a:fld>
             <a:endParaRPr lang="de-DE"/>
           </a:p>
@@ -2097,7 +2663,10 @@
           <a:bodyPr/>
           <a:lstStyle/>
           <a:p>
-            <a:endParaRPr lang="de-DE"/>
+            <a:r>
+              <a:rPr lang="de-DE"/>
+              <a:t>©Daniel Kühnel, Max Ullmann</a:t>
+            </a:r>
           </a:p>
         </p:txBody>
       </p:sp>
@@ -2124,7 +2693,7 @@
           <a:p>
             <a:fld id="{65E718DF-B0D6-46C6-A056-C9ACE8A44231}" type="slidenum">
               <a:rPr lang="de-DE" smtClean="0"/>
-              <a:t>‹Nr.›</a:t>
+              <a:t>‹#›</a:t>
             </a:fld>
             <a:endParaRPr lang="de-DE"/>
           </a:p>
@@ -2379,9 +2948,9 @@
           <a:bodyPr/>
           <a:lstStyle/>
           <a:p>
-            <a:fld id="{DE2276F9-F8AD-4C48-A4C6-0CCD3E029EC4}" type="datetimeFigureOut">
+            <a:fld id="{91E70A3F-C52E-4D6C-B42C-F91FC44F3000}" type="datetime1">
               <a:rPr lang="de-DE" smtClean="0"/>
-              <a:t>23.01.2023</a:t>
+              <a:t>26.01.2023</a:t>
             </a:fld>
             <a:endParaRPr lang="de-DE"/>
           </a:p>
@@ -2408,7 +2977,10 @@
           <a:bodyPr/>
           <a:lstStyle/>
           <a:p>
-            <a:endParaRPr lang="de-DE"/>
+            <a:r>
+              <a:rPr lang="de-DE"/>
+              <a:t>©Daniel Kühnel, Max Ullmann</a:t>
+            </a:r>
           </a:p>
         </p:txBody>
       </p:sp>
@@ -2435,7 +3007,7 @@
           <a:p>
             <a:fld id="{65E718DF-B0D6-46C6-A056-C9ACE8A44231}" type="slidenum">
               <a:rPr lang="de-DE" smtClean="0"/>
-              <a:t>‹Nr.›</a:t>
+              <a:t>‹#›</a:t>
             </a:fld>
             <a:endParaRPr lang="de-DE"/>
           </a:p>
@@ -2667,9 +3239,9 @@
           <a:bodyPr/>
           <a:lstStyle/>
           <a:p>
-            <a:fld id="{DE2276F9-F8AD-4C48-A4C6-0CCD3E029EC4}" type="datetimeFigureOut">
+            <a:fld id="{BB64BD89-5C7E-41AB-BC88-B08D15BD7257}" type="datetime1">
               <a:rPr lang="de-DE" smtClean="0"/>
-              <a:t>23.01.2023</a:t>
+              <a:t>26.01.2023</a:t>
             </a:fld>
             <a:endParaRPr lang="de-DE"/>
           </a:p>
@@ -2696,7 +3268,10 @@
           <a:bodyPr/>
           <a:lstStyle/>
           <a:p>
-            <a:endParaRPr lang="de-DE"/>
+            <a:r>
+              <a:rPr lang="de-DE"/>
+              <a:t>©Daniel Kühnel, Max Ullmann</a:t>
+            </a:r>
           </a:p>
         </p:txBody>
       </p:sp>
@@ -2723,7 +3298,7 @@
           <a:p>
             <a:fld id="{65E718DF-B0D6-46C6-A056-C9ACE8A44231}" type="slidenum">
               <a:rPr lang="de-DE" smtClean="0"/>
-              <a:t>‹Nr.›</a:t>
+              <a:t>‹#›</a:t>
             </a:fld>
             <a:endParaRPr lang="de-DE"/>
           </a:p>
@@ -2908,9 +3483,9 @@
             </a:lvl1pPr>
           </a:lstStyle>
           <a:p>
-            <a:fld id="{DE2276F9-F8AD-4C48-A4C6-0CCD3E029EC4}" type="datetimeFigureOut">
+            <a:fld id="{68AFDE35-5145-48B4-B36B-E18E52C78627}" type="datetime1">
               <a:rPr lang="de-DE" smtClean="0"/>
-              <a:t>23.01.2023</a:t>
+              <a:t>26.01.2023</a:t>
             </a:fld>
             <a:endParaRPr lang="de-DE"/>
           </a:p>
@@ -2955,7 +3530,10 @@
             </a:lvl1pPr>
           </a:lstStyle>
           <a:p>
-            <a:endParaRPr lang="de-DE"/>
+            <a:r>
+              <a:rPr lang="de-DE"/>
+              <a:t>©Daniel Kühnel, Max Ullmann</a:t>
+            </a:r>
           </a:p>
         </p:txBody>
       </p:sp>
@@ -3000,7 +3578,7 @@
           <a:p>
             <a:fld id="{65E718DF-B0D6-46C6-A056-C9ACE8A44231}" type="slidenum">
               <a:rPr lang="de-DE" smtClean="0"/>
-              <a:t>‹Nr.›</a:t>
+              <a:t>‹#›</a:t>
             </a:fld>
             <a:endParaRPr lang="de-DE"/>
           </a:p>
@@ -3027,6 +3605,7 @@
     <p:sldLayoutId id="2147483658" r:id="rId10"/>
     <p:sldLayoutId id="2147483659" r:id="rId11"/>
   </p:sldLayoutIdLst>
+  <p:hf hdr="0"/>
   <p:txStyles>
     <p:titleStyle>
       <a:lvl1pPr algn="l" defTabSz="914400" rtl="0" eaLnBrk="1" latinLnBrk="0" hangingPunct="1">
@@ -3415,6 +3994,237 @@
       </p:grpSpPr>
       <p:sp>
         <p:nvSpPr>
+          <p:cNvPr id="2" name="Title 1">
+            <a:extLst>
+              <a:ext uri="{FF2B5EF4-FFF2-40B4-BE49-F238E27FC236}">
+                <a16:creationId xmlns:a16="http://schemas.microsoft.com/office/drawing/2014/main" id="{1DF322B0-2873-45AA-86D1-17BFFEDA0F0F}"/>
+              </a:ext>
+            </a:extLst>
+          </p:cNvPr>
+          <p:cNvSpPr>
+            <a:spLocks noGrp="1"/>
+          </p:cNvSpPr>
+          <p:nvPr>
+            <p:ph type="title"/>
+          </p:nvPr>
+        </p:nvSpPr>
+        <p:spPr/>
+        <p:txBody>
+          <a:bodyPr/>
+          <a:lstStyle/>
+          <a:p>
+            <a:r>
+              <a:rPr lang="de-DE" b="1" dirty="0"/>
+              <a:t>Ablauf</a:t>
+            </a:r>
+          </a:p>
+        </p:txBody>
+      </p:sp>
+      <p:sp>
+        <p:nvSpPr>
+          <p:cNvPr id="3" name="Content Placeholder 2">
+            <a:extLst>
+              <a:ext uri="{FF2B5EF4-FFF2-40B4-BE49-F238E27FC236}">
+                <a16:creationId xmlns:a16="http://schemas.microsoft.com/office/drawing/2014/main" id="{B9A6FA38-E856-4D42-BF6C-979F5169A4EF}"/>
+              </a:ext>
+            </a:extLst>
+          </p:cNvPr>
+          <p:cNvSpPr>
+            <a:spLocks noGrp="1"/>
+          </p:cNvSpPr>
+          <p:nvPr>
+            <p:ph idx="1"/>
+          </p:nvPr>
+        </p:nvSpPr>
+        <p:spPr/>
+        <p:txBody>
+          <a:bodyPr>
+            <a:normAutofit lnSpcReduction="10000"/>
+          </a:bodyPr>
+          <a:lstStyle/>
+          <a:p>
+            <a:r>
+              <a:rPr lang="de-DE" b="1" dirty="0"/>
+              <a:t>1. Etappe: </a:t>
+            </a:r>
+            <a:r>
+              <a:rPr lang="de-DE" dirty="0"/>
+              <a:t>Ticketerstellung						3</a:t>
+            </a:r>
+          </a:p>
+          <a:p>
+            <a:endParaRPr lang="de-DE" dirty="0"/>
+          </a:p>
+          <a:p>
+            <a:r>
+              <a:rPr lang="de-DE" b="1" dirty="0"/>
+              <a:t>2. Etappe: </a:t>
+            </a:r>
+            <a:r>
+              <a:rPr lang="de-DE" dirty="0"/>
+              <a:t>Erster Lösungsversuch					4 – 5</a:t>
+            </a:r>
+          </a:p>
+          <a:p>
+            <a:endParaRPr lang="de-DE" dirty="0"/>
+          </a:p>
+          <a:p>
+            <a:r>
+              <a:rPr lang="de-DE" b="1" dirty="0"/>
+              <a:t>3. Etappe:</a:t>
+            </a:r>
+            <a:r>
+              <a:rPr lang="de-DE" dirty="0"/>
+              <a:t> Zweiter Lösungsversuch					6</a:t>
+            </a:r>
+          </a:p>
+          <a:p>
+            <a:endParaRPr lang="de-DE" dirty="0"/>
+          </a:p>
+          <a:p>
+            <a:r>
+              <a:rPr lang="de-DE" b="1" dirty="0"/>
+              <a:t>4. Etappe:</a:t>
+            </a:r>
+            <a:r>
+              <a:rPr lang="de-DE" dirty="0"/>
+              <a:t> Laptopübergabe, Ticket schließen			7</a:t>
+            </a:r>
+          </a:p>
+          <a:p>
+            <a:endParaRPr lang="de-DE" dirty="0"/>
+          </a:p>
+          <a:p>
+            <a:r>
+              <a:rPr lang="de-DE" dirty="0"/>
+              <a:t>Wertschöpfung, Rentabilität, Nachhaltigkeit		</a:t>
+            </a:r>
+            <a:r>
+              <a:rPr lang="de-DE"/>
+              <a:t>	8</a:t>
+            </a:r>
+            <a:endParaRPr lang="de-DE" dirty="0"/>
+          </a:p>
+        </p:txBody>
+      </p:sp>
+      <p:sp>
+        <p:nvSpPr>
+          <p:cNvPr id="4" name="Date Placeholder 3">
+            <a:extLst>
+              <a:ext uri="{FF2B5EF4-FFF2-40B4-BE49-F238E27FC236}">
+                <a16:creationId xmlns:a16="http://schemas.microsoft.com/office/drawing/2014/main" id="{3D12C27C-3FF7-464E-8806-B8231F336945}"/>
+              </a:ext>
+            </a:extLst>
+          </p:cNvPr>
+          <p:cNvSpPr>
+            <a:spLocks noGrp="1"/>
+          </p:cNvSpPr>
+          <p:nvPr>
+            <p:ph type="dt" sz="half" idx="10"/>
+          </p:nvPr>
+        </p:nvSpPr>
+        <p:spPr/>
+        <p:txBody>
+          <a:bodyPr/>
+          <a:lstStyle/>
+          <a:p>
+            <a:fld id="{AC9955AD-2CD9-4AED-8782-137B56B46AED}" type="datetime1">
+              <a:rPr lang="de-DE" smtClean="0"/>
+              <a:t>26.01.2023</a:t>
+            </a:fld>
+            <a:endParaRPr lang="de-DE"/>
+          </a:p>
+        </p:txBody>
+      </p:sp>
+      <p:sp>
+        <p:nvSpPr>
+          <p:cNvPr id="5" name="Footer Placeholder 4">
+            <a:extLst>
+              <a:ext uri="{FF2B5EF4-FFF2-40B4-BE49-F238E27FC236}">
+                <a16:creationId xmlns:a16="http://schemas.microsoft.com/office/drawing/2014/main" id="{05B3B3EB-DFCC-4A8A-A3F9-6BDD8741154D}"/>
+              </a:ext>
+            </a:extLst>
+          </p:cNvPr>
+          <p:cNvSpPr>
+            <a:spLocks noGrp="1"/>
+          </p:cNvSpPr>
+          <p:nvPr>
+            <p:ph type="ftr" sz="quarter" idx="11"/>
+          </p:nvPr>
+        </p:nvSpPr>
+        <p:spPr/>
+        <p:txBody>
+          <a:bodyPr/>
+          <a:lstStyle/>
+          <a:p>
+            <a:r>
+              <a:rPr lang="de-DE"/>
+              <a:t>©Daniel Kühnel, Max Ullmann</a:t>
+            </a:r>
+          </a:p>
+        </p:txBody>
+      </p:sp>
+      <p:sp>
+        <p:nvSpPr>
+          <p:cNvPr id="6" name="Slide Number Placeholder 5">
+            <a:extLst>
+              <a:ext uri="{FF2B5EF4-FFF2-40B4-BE49-F238E27FC236}">
+                <a16:creationId xmlns:a16="http://schemas.microsoft.com/office/drawing/2014/main" id="{C5DD1148-9240-4A68-9970-FEA6D03F9B77}"/>
+              </a:ext>
+            </a:extLst>
+          </p:cNvPr>
+          <p:cNvSpPr>
+            <a:spLocks noGrp="1"/>
+          </p:cNvSpPr>
+          <p:nvPr>
+            <p:ph type="sldNum" sz="quarter" idx="12"/>
+          </p:nvPr>
+        </p:nvSpPr>
+        <p:spPr/>
+        <p:txBody>
+          <a:bodyPr/>
+          <a:lstStyle/>
+          <a:p>
+            <a:fld id="{65E718DF-B0D6-46C6-A056-C9ACE8A44231}" type="slidenum">
+              <a:rPr lang="de-DE" smtClean="0"/>
+              <a:t>2</a:t>
+            </a:fld>
+            <a:endParaRPr lang="de-DE"/>
+          </a:p>
+        </p:txBody>
+      </p:sp>
+    </p:spTree>
+    <p:extLst>
+      <p:ext uri="{BB962C8B-B14F-4D97-AF65-F5344CB8AC3E}">
+        <p14:creationId xmlns:p14="http://schemas.microsoft.com/office/powerpoint/2010/main" val="1119696798"/>
+      </p:ext>
+    </p:extLst>
+  </p:cSld>
+  <p:clrMapOvr>
+    <a:masterClrMapping/>
+  </p:clrMapOvr>
+</p:sld>
+</file>
+
+<file path=ppt/slides/slide3.xml><?xml version="1.0" encoding="utf-8"?>
+<p:sld xmlns:a="http://schemas.openxmlformats.org/drawingml/2006/main" xmlns:r="http://schemas.openxmlformats.org/officeDocument/2006/relationships" xmlns:p="http://schemas.openxmlformats.org/presentationml/2006/main">
+  <p:cSld>
+    <p:spTree>
+      <p:nvGrpSpPr>
+        <p:cNvPr id="1" name=""/>
+        <p:cNvGrpSpPr/>
+        <p:nvPr/>
+      </p:nvGrpSpPr>
+      <p:grpSpPr>
+        <a:xfrm>
+          <a:off x="0" y="0"/>
+          <a:ext cx="0" cy="0"/>
+          <a:chOff x="0" y="0"/>
+          <a:chExt cx="0" cy="0"/>
+        </a:xfrm>
+      </p:grpSpPr>
+      <p:sp>
+        <p:nvSpPr>
           <p:cNvPr id="4" name="Titel 3">
             <a:extLst>
               <a:ext uri="{FF2B5EF4-FFF2-40B4-BE49-F238E27FC236}">
@@ -3436,7 +4246,7 @@
           <a:p>
             <a:r>
               <a:rPr lang="de-DE" b="1" dirty="0"/>
-              <a:t>1. Ticketerstellung</a:t>
+              <a:t>1. Etappe: Ticketerstellung</a:t>
             </a:r>
           </a:p>
         </p:txBody>
@@ -3463,6 +4273,113 @@
           <a:lstStyle/>
           <a:p>
             <a:endParaRPr lang="de-DE" dirty="0"/>
+          </a:p>
+          <a:p>
+            <a:r>
+              <a:rPr lang="de-DE" dirty="0"/>
+              <a:t>User erstellt Ticket zu Problem</a:t>
+            </a:r>
+          </a:p>
+          <a:p>
+            <a:r>
+              <a:rPr lang="de-DE" dirty="0"/>
+              <a:t>User beschreibt Problem (Details, Audioaufnahme, Videoaufnahme)</a:t>
+            </a:r>
+          </a:p>
+          <a:p>
+            <a:endParaRPr lang="de-DE" dirty="0"/>
+          </a:p>
+          <a:p>
+            <a:r>
+              <a:rPr lang="de-DE" dirty="0"/>
+              <a:t>betroffene Person: User</a:t>
+            </a:r>
+          </a:p>
+        </p:txBody>
+      </p:sp>
+      <p:sp>
+        <p:nvSpPr>
+          <p:cNvPr id="2" name="Date Placeholder 1">
+            <a:extLst>
+              <a:ext uri="{FF2B5EF4-FFF2-40B4-BE49-F238E27FC236}">
+                <a16:creationId xmlns:a16="http://schemas.microsoft.com/office/drawing/2014/main" id="{F29DABDE-B910-4032-B6C4-344A6C66C07C}"/>
+              </a:ext>
+            </a:extLst>
+          </p:cNvPr>
+          <p:cNvSpPr>
+            <a:spLocks noGrp="1"/>
+          </p:cNvSpPr>
+          <p:nvPr>
+            <p:ph type="dt" sz="half" idx="10"/>
+          </p:nvPr>
+        </p:nvSpPr>
+        <p:spPr/>
+        <p:txBody>
+          <a:bodyPr/>
+          <a:lstStyle/>
+          <a:p>
+            <a:fld id="{2359822F-25AD-4AFB-B8B4-58C642BF7C7A}" type="datetime1">
+              <a:rPr lang="de-DE" smtClean="0"/>
+              <a:t>26.01.2023</a:t>
+            </a:fld>
+            <a:endParaRPr lang="de-DE"/>
+          </a:p>
+        </p:txBody>
+      </p:sp>
+      <p:sp>
+        <p:nvSpPr>
+          <p:cNvPr id="3" name="Footer Placeholder 2">
+            <a:extLst>
+              <a:ext uri="{FF2B5EF4-FFF2-40B4-BE49-F238E27FC236}">
+                <a16:creationId xmlns:a16="http://schemas.microsoft.com/office/drawing/2014/main" id="{C841C64A-3728-4ED8-864D-360D58DC25BD}"/>
+              </a:ext>
+            </a:extLst>
+          </p:cNvPr>
+          <p:cNvSpPr>
+            <a:spLocks noGrp="1"/>
+          </p:cNvSpPr>
+          <p:nvPr>
+            <p:ph type="ftr" sz="quarter" idx="11"/>
+          </p:nvPr>
+        </p:nvSpPr>
+        <p:spPr/>
+        <p:txBody>
+          <a:bodyPr/>
+          <a:lstStyle/>
+          <a:p>
+            <a:r>
+              <a:rPr lang="de-DE"/>
+              <a:t>©Daniel Kühnel, Max Ullmann</a:t>
+            </a:r>
+          </a:p>
+        </p:txBody>
+      </p:sp>
+      <p:sp>
+        <p:nvSpPr>
+          <p:cNvPr id="6" name="Slide Number Placeholder 5">
+            <a:extLst>
+              <a:ext uri="{FF2B5EF4-FFF2-40B4-BE49-F238E27FC236}">
+                <a16:creationId xmlns:a16="http://schemas.microsoft.com/office/drawing/2014/main" id="{4EC0AB88-A5EB-4076-B055-0B4DCB612917}"/>
+              </a:ext>
+            </a:extLst>
+          </p:cNvPr>
+          <p:cNvSpPr>
+            <a:spLocks noGrp="1"/>
+          </p:cNvSpPr>
+          <p:nvPr>
+            <p:ph type="sldNum" sz="quarter" idx="12"/>
+          </p:nvPr>
+        </p:nvSpPr>
+        <p:spPr/>
+        <p:txBody>
+          <a:bodyPr/>
+          <a:lstStyle/>
+          <a:p>
+            <a:fld id="{65E718DF-B0D6-46C6-A056-C9ACE8A44231}" type="slidenum">
+              <a:rPr lang="de-DE" smtClean="0"/>
+              <a:t>3</a:t>
+            </a:fld>
+            <a:endParaRPr lang="de-DE"/>
           </a:p>
         </p:txBody>
       </p:sp>
@@ -3470,6 +4387,1061 @@
     <p:extLst>
       <p:ext uri="{BB962C8B-B14F-4D97-AF65-F5344CB8AC3E}">
         <p14:creationId xmlns:p14="http://schemas.microsoft.com/office/powerpoint/2010/main" val="1656992851"/>
+      </p:ext>
+    </p:extLst>
+  </p:cSld>
+  <p:clrMapOvr>
+    <a:masterClrMapping/>
+  </p:clrMapOvr>
+</p:sld>
+</file>
+
+<file path=ppt/slides/slide4.xml><?xml version="1.0" encoding="utf-8"?>
+<p:sld xmlns:a="http://schemas.openxmlformats.org/drawingml/2006/main" xmlns:r="http://schemas.openxmlformats.org/officeDocument/2006/relationships" xmlns:p="http://schemas.openxmlformats.org/presentationml/2006/main">
+  <p:cSld>
+    <p:spTree>
+      <p:nvGrpSpPr>
+        <p:cNvPr id="1" name=""/>
+        <p:cNvGrpSpPr/>
+        <p:nvPr/>
+      </p:nvGrpSpPr>
+      <p:grpSpPr>
+        <a:xfrm>
+          <a:off x="0" y="0"/>
+          <a:ext cx="0" cy="0"/>
+          <a:chOff x="0" y="0"/>
+          <a:chExt cx="0" cy="0"/>
+        </a:xfrm>
+      </p:grpSpPr>
+      <p:sp>
+        <p:nvSpPr>
+          <p:cNvPr id="2" name="Title 1">
+            <a:extLst>
+              <a:ext uri="{FF2B5EF4-FFF2-40B4-BE49-F238E27FC236}">
+                <a16:creationId xmlns:a16="http://schemas.microsoft.com/office/drawing/2014/main" id="{5FB80C38-9F40-4A9C-85B3-DEBCA9F73DB1}"/>
+              </a:ext>
+            </a:extLst>
+          </p:cNvPr>
+          <p:cNvSpPr>
+            <a:spLocks noGrp="1"/>
+          </p:cNvSpPr>
+          <p:nvPr>
+            <p:ph type="title"/>
+          </p:nvPr>
+        </p:nvSpPr>
+        <p:spPr/>
+        <p:txBody>
+          <a:bodyPr/>
+          <a:lstStyle/>
+          <a:p>
+            <a:r>
+              <a:rPr lang="de-DE" b="1" dirty="0"/>
+              <a:t>2. Etappe: Erster Lösungsversuch</a:t>
+            </a:r>
+          </a:p>
+        </p:txBody>
+      </p:sp>
+      <p:sp>
+        <p:nvSpPr>
+          <p:cNvPr id="3" name="Content Placeholder 2">
+            <a:extLst>
+              <a:ext uri="{FF2B5EF4-FFF2-40B4-BE49-F238E27FC236}">
+                <a16:creationId xmlns:a16="http://schemas.microsoft.com/office/drawing/2014/main" id="{59C7A306-8185-441E-B153-6AB9F11E01DD}"/>
+              </a:ext>
+            </a:extLst>
+          </p:cNvPr>
+          <p:cNvSpPr>
+            <a:spLocks noGrp="1"/>
+          </p:cNvSpPr>
+          <p:nvPr>
+            <p:ph idx="1"/>
+          </p:nvPr>
+        </p:nvSpPr>
+        <p:spPr/>
+        <p:txBody>
+          <a:bodyPr/>
+          <a:lstStyle/>
+          <a:p>
+            <a:r>
+              <a:rPr lang="de-DE" dirty="0"/>
+              <a:t>User wird vor Ort gerufen</a:t>
+            </a:r>
+          </a:p>
+          <a:p>
+            <a:r>
+              <a:rPr lang="de-DE" dirty="0"/>
+              <a:t>Laptop wird aufgeschraubt</a:t>
+            </a:r>
+          </a:p>
+          <a:p>
+            <a:r>
+              <a:rPr lang="de-DE" dirty="0"/>
+              <a:t>Lüfter wird aufgeschraubt, auf Fremdkörper untersucht, gereinigt</a:t>
+            </a:r>
+          </a:p>
+          <a:p>
+            <a:r>
+              <a:rPr lang="de-DE" dirty="0"/>
+              <a:t>Zusammenbau von Laptop, Lüftertest</a:t>
+            </a:r>
+          </a:p>
+          <a:p>
+            <a:pPr marL="0" indent="0">
+              <a:buNone/>
+            </a:pPr>
+            <a:endParaRPr lang="de-DE" dirty="0"/>
+          </a:p>
+          <a:p>
+            <a:pPr marL="0" indent="0">
+              <a:buNone/>
+            </a:pPr>
+            <a:r>
+              <a:rPr lang="de-DE" dirty="0"/>
+              <a:t>-&gt; Lüftergeräusch noch da</a:t>
+            </a:r>
+          </a:p>
+          <a:p>
+            <a:pPr marL="0" indent="0">
+              <a:buNone/>
+            </a:pPr>
+            <a:endParaRPr lang="de-DE" dirty="0"/>
+          </a:p>
+          <a:p>
+            <a:pPr marL="0" indent="0">
+              <a:buNone/>
+            </a:pPr>
+            <a:r>
+              <a:rPr lang="de-DE" dirty="0"/>
+              <a:t>betroffene Person: Ticketbearbeiter</a:t>
+            </a:r>
+          </a:p>
+        </p:txBody>
+      </p:sp>
+      <p:sp>
+        <p:nvSpPr>
+          <p:cNvPr id="4" name="Date Placeholder 3">
+            <a:extLst>
+              <a:ext uri="{FF2B5EF4-FFF2-40B4-BE49-F238E27FC236}">
+                <a16:creationId xmlns:a16="http://schemas.microsoft.com/office/drawing/2014/main" id="{8905742F-F01E-4E1B-B034-CC2E7704D9F1}"/>
+              </a:ext>
+            </a:extLst>
+          </p:cNvPr>
+          <p:cNvSpPr>
+            <a:spLocks noGrp="1"/>
+          </p:cNvSpPr>
+          <p:nvPr>
+            <p:ph type="dt" sz="half" idx="10"/>
+          </p:nvPr>
+        </p:nvSpPr>
+        <p:spPr/>
+        <p:txBody>
+          <a:bodyPr/>
+          <a:lstStyle/>
+          <a:p>
+            <a:fld id="{04590713-3479-41BD-B525-2B517736D91B}" type="datetime1">
+              <a:rPr lang="de-DE" smtClean="0"/>
+              <a:t>26.01.2023</a:t>
+            </a:fld>
+            <a:endParaRPr lang="de-DE"/>
+          </a:p>
+        </p:txBody>
+      </p:sp>
+      <p:sp>
+        <p:nvSpPr>
+          <p:cNvPr id="5" name="Footer Placeholder 4">
+            <a:extLst>
+              <a:ext uri="{FF2B5EF4-FFF2-40B4-BE49-F238E27FC236}">
+                <a16:creationId xmlns:a16="http://schemas.microsoft.com/office/drawing/2014/main" id="{36298B65-C4E5-4FF6-9DE7-0FA83B3EFD8D}"/>
+              </a:ext>
+            </a:extLst>
+          </p:cNvPr>
+          <p:cNvSpPr>
+            <a:spLocks noGrp="1"/>
+          </p:cNvSpPr>
+          <p:nvPr>
+            <p:ph type="ftr" sz="quarter" idx="11"/>
+          </p:nvPr>
+        </p:nvSpPr>
+        <p:spPr/>
+        <p:txBody>
+          <a:bodyPr/>
+          <a:lstStyle/>
+          <a:p>
+            <a:r>
+              <a:rPr lang="de-DE"/>
+              <a:t>©Daniel Kühnel, Max Ullmann</a:t>
+            </a:r>
+          </a:p>
+        </p:txBody>
+      </p:sp>
+      <p:sp>
+        <p:nvSpPr>
+          <p:cNvPr id="6" name="Slide Number Placeholder 5">
+            <a:extLst>
+              <a:ext uri="{FF2B5EF4-FFF2-40B4-BE49-F238E27FC236}">
+                <a16:creationId xmlns:a16="http://schemas.microsoft.com/office/drawing/2014/main" id="{C64871C5-2F08-4E8D-953C-6094771286D1}"/>
+              </a:ext>
+            </a:extLst>
+          </p:cNvPr>
+          <p:cNvSpPr>
+            <a:spLocks noGrp="1"/>
+          </p:cNvSpPr>
+          <p:nvPr>
+            <p:ph type="sldNum" sz="quarter" idx="12"/>
+          </p:nvPr>
+        </p:nvSpPr>
+        <p:spPr/>
+        <p:txBody>
+          <a:bodyPr/>
+          <a:lstStyle/>
+          <a:p>
+            <a:fld id="{65E718DF-B0D6-46C6-A056-C9ACE8A44231}" type="slidenum">
+              <a:rPr lang="de-DE" smtClean="0"/>
+              <a:t>4</a:t>
+            </a:fld>
+            <a:endParaRPr lang="de-DE"/>
+          </a:p>
+        </p:txBody>
+      </p:sp>
+    </p:spTree>
+    <p:extLst>
+      <p:ext uri="{BB962C8B-B14F-4D97-AF65-F5344CB8AC3E}">
+        <p14:creationId xmlns:p14="http://schemas.microsoft.com/office/powerpoint/2010/main" val="3386533643"/>
+      </p:ext>
+    </p:extLst>
+  </p:cSld>
+  <p:clrMapOvr>
+    <a:masterClrMapping/>
+  </p:clrMapOvr>
+</p:sld>
+</file>
+
+<file path=ppt/slides/slide5.xml><?xml version="1.0" encoding="utf-8"?>
+<p:sld xmlns:a="http://schemas.openxmlformats.org/drawingml/2006/main" xmlns:r="http://schemas.openxmlformats.org/officeDocument/2006/relationships" xmlns:p="http://schemas.openxmlformats.org/presentationml/2006/main">
+  <p:cSld>
+    <p:spTree>
+      <p:nvGrpSpPr>
+        <p:cNvPr id="1" name=""/>
+        <p:cNvGrpSpPr/>
+        <p:nvPr/>
+      </p:nvGrpSpPr>
+      <p:grpSpPr>
+        <a:xfrm>
+          <a:off x="0" y="0"/>
+          <a:ext cx="0" cy="0"/>
+          <a:chOff x="0" y="0"/>
+          <a:chExt cx="0" cy="0"/>
+        </a:xfrm>
+      </p:grpSpPr>
+      <p:sp>
+        <p:nvSpPr>
+          <p:cNvPr id="2" name="Title 1">
+            <a:extLst>
+              <a:ext uri="{FF2B5EF4-FFF2-40B4-BE49-F238E27FC236}">
+                <a16:creationId xmlns:a16="http://schemas.microsoft.com/office/drawing/2014/main" id="{3ED2CC6F-AFCB-43F2-ADC6-810A4EF7D731}"/>
+              </a:ext>
+            </a:extLst>
+          </p:cNvPr>
+          <p:cNvSpPr>
+            <a:spLocks noGrp="1"/>
+          </p:cNvSpPr>
+          <p:nvPr>
+            <p:ph type="title"/>
+          </p:nvPr>
+        </p:nvSpPr>
+        <p:spPr/>
+        <p:txBody>
+          <a:bodyPr/>
+          <a:lstStyle/>
+          <a:p>
+            <a:r>
+              <a:rPr lang="de-DE" b="1" dirty="0"/>
+              <a:t>2. Etappe: Erster Lösungsversuch</a:t>
+            </a:r>
+          </a:p>
+        </p:txBody>
+      </p:sp>
+      <p:sp>
+        <p:nvSpPr>
+          <p:cNvPr id="3" name="Content Placeholder 2">
+            <a:extLst>
+              <a:ext uri="{FF2B5EF4-FFF2-40B4-BE49-F238E27FC236}">
+                <a16:creationId xmlns:a16="http://schemas.microsoft.com/office/drawing/2014/main" id="{EF4A2B69-7141-4B05-B516-4E2404A9111B}"/>
+              </a:ext>
+            </a:extLst>
+          </p:cNvPr>
+          <p:cNvSpPr>
+            <a:spLocks noGrp="1"/>
+          </p:cNvSpPr>
+          <p:nvPr>
+            <p:ph idx="1"/>
+          </p:nvPr>
+        </p:nvSpPr>
+        <p:spPr/>
+        <p:txBody>
+          <a:bodyPr/>
+          <a:lstStyle/>
+          <a:p>
+            <a:endParaRPr lang="de-DE" dirty="0"/>
+          </a:p>
+          <a:p>
+            <a:r>
+              <a:rPr lang="de-DE" dirty="0"/>
+              <a:t>Mögliche Probleme:</a:t>
+            </a:r>
+          </a:p>
+          <a:p>
+            <a:pPr lvl="1"/>
+            <a:endParaRPr lang="de-DE" dirty="0"/>
+          </a:p>
+          <a:p>
+            <a:pPr lvl="1"/>
+            <a:r>
+              <a:rPr lang="de-DE" dirty="0"/>
+              <a:t>elektrostatische Entladung beschädigt </a:t>
+            </a:r>
+            <a:r>
+              <a:rPr lang="de-DE" dirty="0" err="1"/>
+              <a:t>Mainboardchip</a:t>
+            </a:r>
+            <a:endParaRPr lang="de-DE" dirty="0"/>
+          </a:p>
+          <a:p>
+            <a:pPr lvl="1"/>
+            <a:endParaRPr lang="de-DE" dirty="0"/>
+          </a:p>
+          <a:p>
+            <a:pPr lvl="1"/>
+            <a:r>
+              <a:rPr lang="de-DE" dirty="0"/>
+              <a:t>Lüfter lässt sich nicht aufschrauben</a:t>
+            </a:r>
+          </a:p>
+        </p:txBody>
+      </p:sp>
+      <p:sp>
+        <p:nvSpPr>
+          <p:cNvPr id="4" name="Date Placeholder 3">
+            <a:extLst>
+              <a:ext uri="{FF2B5EF4-FFF2-40B4-BE49-F238E27FC236}">
+                <a16:creationId xmlns:a16="http://schemas.microsoft.com/office/drawing/2014/main" id="{BAEAC816-B0A5-49D1-B88A-F749D1A1431E}"/>
+              </a:ext>
+            </a:extLst>
+          </p:cNvPr>
+          <p:cNvSpPr>
+            <a:spLocks noGrp="1"/>
+          </p:cNvSpPr>
+          <p:nvPr>
+            <p:ph type="dt" sz="half" idx="10"/>
+          </p:nvPr>
+        </p:nvSpPr>
+        <p:spPr/>
+        <p:txBody>
+          <a:bodyPr/>
+          <a:lstStyle/>
+          <a:p>
+            <a:fld id="{331943A0-6242-4879-A652-F0EEFBCA420F}" type="datetime1">
+              <a:rPr lang="de-DE" smtClean="0"/>
+              <a:t>26.01.2023</a:t>
+            </a:fld>
+            <a:endParaRPr lang="de-DE"/>
+          </a:p>
+        </p:txBody>
+      </p:sp>
+      <p:sp>
+        <p:nvSpPr>
+          <p:cNvPr id="5" name="Footer Placeholder 4">
+            <a:extLst>
+              <a:ext uri="{FF2B5EF4-FFF2-40B4-BE49-F238E27FC236}">
+                <a16:creationId xmlns:a16="http://schemas.microsoft.com/office/drawing/2014/main" id="{36CCC426-BB9C-42C6-A492-964BB33AEB0D}"/>
+              </a:ext>
+            </a:extLst>
+          </p:cNvPr>
+          <p:cNvSpPr>
+            <a:spLocks noGrp="1"/>
+          </p:cNvSpPr>
+          <p:nvPr>
+            <p:ph type="ftr" sz="quarter" idx="11"/>
+          </p:nvPr>
+        </p:nvSpPr>
+        <p:spPr/>
+        <p:txBody>
+          <a:bodyPr/>
+          <a:lstStyle/>
+          <a:p>
+            <a:r>
+              <a:rPr lang="de-DE"/>
+              <a:t>©Daniel Kühnel, Max Ullmann</a:t>
+            </a:r>
+          </a:p>
+        </p:txBody>
+      </p:sp>
+      <p:sp>
+        <p:nvSpPr>
+          <p:cNvPr id="6" name="Slide Number Placeholder 5">
+            <a:extLst>
+              <a:ext uri="{FF2B5EF4-FFF2-40B4-BE49-F238E27FC236}">
+                <a16:creationId xmlns:a16="http://schemas.microsoft.com/office/drawing/2014/main" id="{F0630C78-FC4A-4EAA-8FCB-7B6C78ECF11F}"/>
+              </a:ext>
+            </a:extLst>
+          </p:cNvPr>
+          <p:cNvSpPr>
+            <a:spLocks noGrp="1"/>
+          </p:cNvSpPr>
+          <p:nvPr>
+            <p:ph type="sldNum" sz="quarter" idx="12"/>
+          </p:nvPr>
+        </p:nvSpPr>
+        <p:spPr/>
+        <p:txBody>
+          <a:bodyPr/>
+          <a:lstStyle/>
+          <a:p>
+            <a:fld id="{65E718DF-B0D6-46C6-A056-C9ACE8A44231}" type="slidenum">
+              <a:rPr lang="de-DE" smtClean="0"/>
+              <a:t>5</a:t>
+            </a:fld>
+            <a:endParaRPr lang="de-DE"/>
+          </a:p>
+        </p:txBody>
+      </p:sp>
+    </p:spTree>
+    <p:extLst>
+      <p:ext uri="{BB962C8B-B14F-4D97-AF65-F5344CB8AC3E}">
+        <p14:creationId xmlns:p14="http://schemas.microsoft.com/office/powerpoint/2010/main" val="2495469104"/>
+      </p:ext>
+    </p:extLst>
+  </p:cSld>
+  <p:clrMapOvr>
+    <a:masterClrMapping/>
+  </p:clrMapOvr>
+</p:sld>
+</file>
+
+<file path=ppt/slides/slide6.xml><?xml version="1.0" encoding="utf-8"?>
+<p:sld xmlns:a="http://schemas.openxmlformats.org/drawingml/2006/main" xmlns:r="http://schemas.openxmlformats.org/officeDocument/2006/relationships" xmlns:p="http://schemas.openxmlformats.org/presentationml/2006/main">
+  <p:cSld>
+    <p:spTree>
+      <p:nvGrpSpPr>
+        <p:cNvPr id="1" name=""/>
+        <p:cNvGrpSpPr/>
+        <p:nvPr/>
+      </p:nvGrpSpPr>
+      <p:grpSpPr>
+        <a:xfrm>
+          <a:off x="0" y="0"/>
+          <a:ext cx="0" cy="0"/>
+          <a:chOff x="0" y="0"/>
+          <a:chExt cx="0" cy="0"/>
+        </a:xfrm>
+      </p:grpSpPr>
+      <p:sp>
+        <p:nvSpPr>
+          <p:cNvPr id="2" name="Title 1">
+            <a:extLst>
+              <a:ext uri="{FF2B5EF4-FFF2-40B4-BE49-F238E27FC236}">
+                <a16:creationId xmlns:a16="http://schemas.microsoft.com/office/drawing/2014/main" id="{43929A88-5F5C-407F-A267-A3120A2A4DF7}"/>
+              </a:ext>
+            </a:extLst>
+          </p:cNvPr>
+          <p:cNvSpPr>
+            <a:spLocks noGrp="1"/>
+          </p:cNvSpPr>
+          <p:nvPr>
+            <p:ph type="title"/>
+          </p:nvPr>
+        </p:nvSpPr>
+        <p:spPr/>
+        <p:txBody>
+          <a:bodyPr/>
+          <a:lstStyle/>
+          <a:p>
+            <a:r>
+              <a:rPr lang="de-DE" b="1" dirty="0"/>
+              <a:t>3. Etappe Zweiter Lösungsversuch</a:t>
+            </a:r>
+          </a:p>
+        </p:txBody>
+      </p:sp>
+      <p:sp>
+        <p:nvSpPr>
+          <p:cNvPr id="3" name="Content Placeholder 2">
+            <a:extLst>
+              <a:ext uri="{FF2B5EF4-FFF2-40B4-BE49-F238E27FC236}">
+                <a16:creationId xmlns:a16="http://schemas.microsoft.com/office/drawing/2014/main" id="{74959B12-4A71-4365-9AF3-2245CE34B27F}"/>
+              </a:ext>
+            </a:extLst>
+          </p:cNvPr>
+          <p:cNvSpPr>
+            <a:spLocks noGrp="1"/>
+          </p:cNvSpPr>
+          <p:nvPr>
+            <p:ph idx="1"/>
+          </p:nvPr>
+        </p:nvSpPr>
+        <p:spPr/>
+        <p:txBody>
+          <a:bodyPr/>
+          <a:lstStyle/>
+          <a:p>
+            <a:r>
+              <a:rPr lang="de-DE" dirty="0"/>
+              <a:t>Laptop wird aufgeschraubt</a:t>
+            </a:r>
+          </a:p>
+          <a:p>
+            <a:r>
+              <a:rPr lang="de-DE" dirty="0"/>
+              <a:t>Lüfter wird ausgebaut</a:t>
+            </a:r>
+          </a:p>
+          <a:p>
+            <a:r>
+              <a:rPr lang="de-DE" dirty="0"/>
+              <a:t>neuer Lüfter wird eingebaut</a:t>
+            </a:r>
+          </a:p>
+          <a:p>
+            <a:pPr marL="0" indent="0">
+              <a:buNone/>
+            </a:pPr>
+            <a:endParaRPr lang="de-DE" dirty="0"/>
+          </a:p>
+          <a:p>
+            <a:pPr marL="0" indent="0">
+              <a:buNone/>
+            </a:pPr>
+            <a:r>
+              <a:rPr lang="de-DE" dirty="0"/>
+              <a:t>-&gt; Lüftergeräusch verschwunden</a:t>
+            </a:r>
+          </a:p>
+          <a:p>
+            <a:pPr marL="0" indent="0">
+              <a:buNone/>
+            </a:pPr>
+            <a:endParaRPr lang="de-DE" dirty="0"/>
+          </a:p>
+          <a:p>
+            <a:pPr marL="0" indent="0">
+              <a:buNone/>
+            </a:pPr>
+            <a:r>
+              <a:rPr lang="de-DE" dirty="0"/>
+              <a:t>betroffene Person: Ticketbearbeiter</a:t>
+            </a:r>
+          </a:p>
+        </p:txBody>
+      </p:sp>
+      <p:sp>
+        <p:nvSpPr>
+          <p:cNvPr id="4" name="Date Placeholder 3">
+            <a:extLst>
+              <a:ext uri="{FF2B5EF4-FFF2-40B4-BE49-F238E27FC236}">
+                <a16:creationId xmlns:a16="http://schemas.microsoft.com/office/drawing/2014/main" id="{3FBE1214-EC27-4763-AF7E-D45179179E4D}"/>
+              </a:ext>
+            </a:extLst>
+          </p:cNvPr>
+          <p:cNvSpPr>
+            <a:spLocks noGrp="1"/>
+          </p:cNvSpPr>
+          <p:nvPr>
+            <p:ph type="dt" sz="half" idx="10"/>
+          </p:nvPr>
+        </p:nvSpPr>
+        <p:spPr/>
+        <p:txBody>
+          <a:bodyPr/>
+          <a:lstStyle/>
+          <a:p>
+            <a:fld id="{FDD7D1F5-63C1-4D53-93BE-9207B686C52C}" type="datetime1">
+              <a:rPr lang="de-DE" smtClean="0"/>
+              <a:t>26.01.2023</a:t>
+            </a:fld>
+            <a:endParaRPr lang="de-DE"/>
+          </a:p>
+        </p:txBody>
+      </p:sp>
+      <p:sp>
+        <p:nvSpPr>
+          <p:cNvPr id="5" name="Footer Placeholder 4">
+            <a:extLst>
+              <a:ext uri="{FF2B5EF4-FFF2-40B4-BE49-F238E27FC236}">
+                <a16:creationId xmlns:a16="http://schemas.microsoft.com/office/drawing/2014/main" id="{1EF936E1-FF95-462F-8483-F2BC5FB2CFC2}"/>
+              </a:ext>
+            </a:extLst>
+          </p:cNvPr>
+          <p:cNvSpPr>
+            <a:spLocks noGrp="1"/>
+          </p:cNvSpPr>
+          <p:nvPr>
+            <p:ph type="ftr" sz="quarter" idx="11"/>
+          </p:nvPr>
+        </p:nvSpPr>
+        <p:spPr/>
+        <p:txBody>
+          <a:bodyPr/>
+          <a:lstStyle/>
+          <a:p>
+            <a:r>
+              <a:rPr lang="de-DE"/>
+              <a:t>©Daniel Kühnel, Max Ullmann</a:t>
+            </a:r>
+          </a:p>
+        </p:txBody>
+      </p:sp>
+      <p:sp>
+        <p:nvSpPr>
+          <p:cNvPr id="6" name="Slide Number Placeholder 5">
+            <a:extLst>
+              <a:ext uri="{FF2B5EF4-FFF2-40B4-BE49-F238E27FC236}">
+                <a16:creationId xmlns:a16="http://schemas.microsoft.com/office/drawing/2014/main" id="{3175D72C-05B7-4DF6-AB93-580412F65B58}"/>
+              </a:ext>
+            </a:extLst>
+          </p:cNvPr>
+          <p:cNvSpPr>
+            <a:spLocks noGrp="1"/>
+          </p:cNvSpPr>
+          <p:nvPr>
+            <p:ph type="sldNum" sz="quarter" idx="12"/>
+          </p:nvPr>
+        </p:nvSpPr>
+        <p:spPr/>
+        <p:txBody>
+          <a:bodyPr/>
+          <a:lstStyle/>
+          <a:p>
+            <a:fld id="{65E718DF-B0D6-46C6-A056-C9ACE8A44231}" type="slidenum">
+              <a:rPr lang="de-DE" smtClean="0"/>
+              <a:t>6</a:t>
+            </a:fld>
+            <a:endParaRPr lang="de-DE"/>
+          </a:p>
+        </p:txBody>
+      </p:sp>
+    </p:spTree>
+    <p:extLst>
+      <p:ext uri="{BB962C8B-B14F-4D97-AF65-F5344CB8AC3E}">
+        <p14:creationId xmlns:p14="http://schemas.microsoft.com/office/powerpoint/2010/main" val="2499371640"/>
+      </p:ext>
+    </p:extLst>
+  </p:cSld>
+  <p:clrMapOvr>
+    <a:masterClrMapping/>
+  </p:clrMapOvr>
+</p:sld>
+</file>
+
+<file path=ppt/slides/slide7.xml><?xml version="1.0" encoding="utf-8"?>
+<p:sld xmlns:a="http://schemas.openxmlformats.org/drawingml/2006/main" xmlns:r="http://schemas.openxmlformats.org/officeDocument/2006/relationships" xmlns:p="http://schemas.openxmlformats.org/presentationml/2006/main">
+  <p:cSld>
+    <p:spTree>
+      <p:nvGrpSpPr>
+        <p:cNvPr id="1" name=""/>
+        <p:cNvGrpSpPr/>
+        <p:nvPr/>
+      </p:nvGrpSpPr>
+      <p:grpSpPr>
+        <a:xfrm>
+          <a:off x="0" y="0"/>
+          <a:ext cx="0" cy="0"/>
+          <a:chOff x="0" y="0"/>
+          <a:chExt cx="0" cy="0"/>
+        </a:xfrm>
+      </p:grpSpPr>
+      <p:sp>
+        <p:nvSpPr>
+          <p:cNvPr id="2" name="Title 1">
+            <a:extLst>
+              <a:ext uri="{FF2B5EF4-FFF2-40B4-BE49-F238E27FC236}">
+                <a16:creationId xmlns:a16="http://schemas.microsoft.com/office/drawing/2014/main" id="{D3C641A6-A89D-4E78-AB63-718DD786DA35}"/>
+              </a:ext>
+            </a:extLst>
+          </p:cNvPr>
+          <p:cNvSpPr>
+            <a:spLocks noGrp="1"/>
+          </p:cNvSpPr>
+          <p:nvPr>
+            <p:ph type="title"/>
+          </p:nvPr>
+        </p:nvSpPr>
+        <p:spPr/>
+        <p:txBody>
+          <a:bodyPr/>
+          <a:lstStyle/>
+          <a:p>
+            <a:r>
+              <a:rPr lang="de-DE" b="1" dirty="0"/>
+              <a:t>4. Etappe: Laptopübergabe, Ticket schließen</a:t>
+            </a:r>
+          </a:p>
+        </p:txBody>
+      </p:sp>
+      <p:sp>
+        <p:nvSpPr>
+          <p:cNvPr id="3" name="Content Placeholder 2">
+            <a:extLst>
+              <a:ext uri="{FF2B5EF4-FFF2-40B4-BE49-F238E27FC236}">
+                <a16:creationId xmlns:a16="http://schemas.microsoft.com/office/drawing/2014/main" id="{DB7C8ACE-0E3E-4EF9-92FB-106E20945147}"/>
+              </a:ext>
+            </a:extLst>
+          </p:cNvPr>
+          <p:cNvSpPr>
+            <a:spLocks noGrp="1"/>
+          </p:cNvSpPr>
+          <p:nvPr>
+            <p:ph idx="1"/>
+          </p:nvPr>
+        </p:nvSpPr>
+        <p:spPr/>
+        <p:txBody>
+          <a:bodyPr/>
+          <a:lstStyle/>
+          <a:p>
+            <a:endParaRPr lang="de-DE" dirty="0"/>
+          </a:p>
+          <a:p>
+            <a:r>
+              <a:rPr lang="de-DE" dirty="0"/>
+              <a:t>User überprüft, ob Problem wiederkehrt</a:t>
+            </a:r>
+          </a:p>
+          <a:p>
+            <a:r>
+              <a:rPr lang="de-DE" dirty="0"/>
+              <a:t>Ticketbearbeiter beantwortet offene Fragen</a:t>
+            </a:r>
+          </a:p>
+          <a:p>
+            <a:r>
+              <a:rPr lang="de-DE" dirty="0"/>
+              <a:t>Ticket wird vom User geschlossen</a:t>
+            </a:r>
+          </a:p>
+          <a:p>
+            <a:endParaRPr lang="de-DE" dirty="0"/>
+          </a:p>
+          <a:p>
+            <a:pPr marL="0" indent="0">
+              <a:buNone/>
+            </a:pPr>
+            <a:r>
+              <a:rPr lang="de-DE" dirty="0"/>
+              <a:t>betroffene Person: User, Ticketbearbeiter</a:t>
+            </a:r>
+          </a:p>
+        </p:txBody>
+      </p:sp>
+      <p:sp>
+        <p:nvSpPr>
+          <p:cNvPr id="4" name="Date Placeholder 3">
+            <a:extLst>
+              <a:ext uri="{FF2B5EF4-FFF2-40B4-BE49-F238E27FC236}">
+                <a16:creationId xmlns:a16="http://schemas.microsoft.com/office/drawing/2014/main" id="{4541BE8F-FC7B-48C5-AF19-CF1ACBF504B7}"/>
+              </a:ext>
+            </a:extLst>
+          </p:cNvPr>
+          <p:cNvSpPr>
+            <a:spLocks noGrp="1"/>
+          </p:cNvSpPr>
+          <p:nvPr>
+            <p:ph type="dt" sz="half" idx="10"/>
+          </p:nvPr>
+        </p:nvSpPr>
+        <p:spPr/>
+        <p:txBody>
+          <a:bodyPr/>
+          <a:lstStyle/>
+          <a:p>
+            <a:fld id="{A9D575D8-2E80-4D7F-9B1A-F7B4A5326F50}" type="datetime1">
+              <a:rPr lang="de-DE" smtClean="0"/>
+              <a:t>26.01.2023</a:t>
+            </a:fld>
+            <a:endParaRPr lang="de-DE"/>
+          </a:p>
+        </p:txBody>
+      </p:sp>
+      <p:sp>
+        <p:nvSpPr>
+          <p:cNvPr id="5" name="Footer Placeholder 4">
+            <a:extLst>
+              <a:ext uri="{FF2B5EF4-FFF2-40B4-BE49-F238E27FC236}">
+                <a16:creationId xmlns:a16="http://schemas.microsoft.com/office/drawing/2014/main" id="{203261A6-0131-4EE8-9633-89D36DC981C8}"/>
+              </a:ext>
+            </a:extLst>
+          </p:cNvPr>
+          <p:cNvSpPr>
+            <a:spLocks noGrp="1"/>
+          </p:cNvSpPr>
+          <p:nvPr>
+            <p:ph type="ftr" sz="quarter" idx="11"/>
+          </p:nvPr>
+        </p:nvSpPr>
+        <p:spPr/>
+        <p:txBody>
+          <a:bodyPr/>
+          <a:lstStyle/>
+          <a:p>
+            <a:r>
+              <a:rPr lang="de-DE"/>
+              <a:t>©Daniel Kühnel, Max Ullmann</a:t>
+            </a:r>
+          </a:p>
+        </p:txBody>
+      </p:sp>
+      <p:sp>
+        <p:nvSpPr>
+          <p:cNvPr id="6" name="Slide Number Placeholder 5">
+            <a:extLst>
+              <a:ext uri="{FF2B5EF4-FFF2-40B4-BE49-F238E27FC236}">
+                <a16:creationId xmlns:a16="http://schemas.microsoft.com/office/drawing/2014/main" id="{C3DC4761-82C2-4C2E-ADFE-88593F8E87A6}"/>
+              </a:ext>
+            </a:extLst>
+          </p:cNvPr>
+          <p:cNvSpPr>
+            <a:spLocks noGrp="1"/>
+          </p:cNvSpPr>
+          <p:nvPr>
+            <p:ph type="sldNum" sz="quarter" idx="12"/>
+          </p:nvPr>
+        </p:nvSpPr>
+        <p:spPr/>
+        <p:txBody>
+          <a:bodyPr/>
+          <a:lstStyle/>
+          <a:p>
+            <a:fld id="{65E718DF-B0D6-46C6-A056-C9ACE8A44231}" type="slidenum">
+              <a:rPr lang="de-DE" smtClean="0"/>
+              <a:t>7</a:t>
+            </a:fld>
+            <a:endParaRPr lang="de-DE"/>
+          </a:p>
+        </p:txBody>
+      </p:sp>
+    </p:spTree>
+    <p:extLst>
+      <p:ext uri="{BB962C8B-B14F-4D97-AF65-F5344CB8AC3E}">
+        <p14:creationId xmlns:p14="http://schemas.microsoft.com/office/powerpoint/2010/main" val="1073424642"/>
+      </p:ext>
+    </p:extLst>
+  </p:cSld>
+  <p:clrMapOvr>
+    <a:masterClrMapping/>
+  </p:clrMapOvr>
+</p:sld>
+</file>
+
+<file path=ppt/slides/slide8.xml><?xml version="1.0" encoding="utf-8"?>
+<p:sld xmlns:a="http://schemas.openxmlformats.org/drawingml/2006/main" xmlns:r="http://schemas.openxmlformats.org/officeDocument/2006/relationships" xmlns:p="http://schemas.openxmlformats.org/presentationml/2006/main">
+  <p:cSld>
+    <p:spTree>
+      <p:nvGrpSpPr>
+        <p:cNvPr id="1" name=""/>
+        <p:cNvGrpSpPr/>
+        <p:nvPr/>
+      </p:nvGrpSpPr>
+      <p:grpSpPr>
+        <a:xfrm>
+          <a:off x="0" y="0"/>
+          <a:ext cx="0" cy="0"/>
+          <a:chOff x="0" y="0"/>
+          <a:chExt cx="0" cy="0"/>
+        </a:xfrm>
+      </p:grpSpPr>
+      <p:sp>
+        <p:nvSpPr>
+          <p:cNvPr id="2" name="Title 1">
+            <a:extLst>
+              <a:ext uri="{FF2B5EF4-FFF2-40B4-BE49-F238E27FC236}">
+                <a16:creationId xmlns:a16="http://schemas.microsoft.com/office/drawing/2014/main" id="{B176A621-7843-4B8E-9307-38EE009DF0D6}"/>
+              </a:ext>
+            </a:extLst>
+          </p:cNvPr>
+          <p:cNvSpPr>
+            <a:spLocks noGrp="1"/>
+          </p:cNvSpPr>
+          <p:nvPr>
+            <p:ph type="title"/>
+          </p:nvPr>
+        </p:nvSpPr>
+        <p:spPr/>
+        <p:txBody>
+          <a:bodyPr/>
+          <a:lstStyle/>
+          <a:p>
+            <a:r>
+              <a:rPr lang="de-DE" b="1" dirty="0"/>
+              <a:t>Wertschöpfung, Rentabilität, Nachhaltigkeit</a:t>
+            </a:r>
+          </a:p>
+        </p:txBody>
+      </p:sp>
+      <p:sp>
+        <p:nvSpPr>
+          <p:cNvPr id="3" name="Content Placeholder 2">
+            <a:extLst>
+              <a:ext uri="{FF2B5EF4-FFF2-40B4-BE49-F238E27FC236}">
+                <a16:creationId xmlns:a16="http://schemas.microsoft.com/office/drawing/2014/main" id="{6C891437-7FEB-4347-B0D4-F1144F35B077}"/>
+              </a:ext>
+            </a:extLst>
+          </p:cNvPr>
+          <p:cNvSpPr>
+            <a:spLocks noGrp="1"/>
+          </p:cNvSpPr>
+          <p:nvPr>
+            <p:ph idx="1"/>
+          </p:nvPr>
+        </p:nvSpPr>
+        <p:spPr/>
+        <p:txBody>
+          <a:bodyPr/>
+          <a:lstStyle/>
+          <a:p>
+            <a:r>
+              <a:rPr lang="de-DE" dirty="0"/>
+              <a:t>Wertschöpfung</a:t>
+            </a:r>
+          </a:p>
+          <a:p>
+            <a:pPr lvl="1"/>
+            <a:r>
+              <a:rPr lang="de-DE" dirty="0"/>
+              <a:t>User kann weiterarbeiten</a:t>
+            </a:r>
+          </a:p>
+          <a:p>
+            <a:pPr lvl="1"/>
+            <a:r>
+              <a:rPr lang="de-DE" dirty="0"/>
+              <a:t>Produktivität nicht weiter gefährdet</a:t>
+            </a:r>
+          </a:p>
+          <a:p>
+            <a:pPr lvl="1"/>
+            <a:endParaRPr lang="de-DE" dirty="0"/>
+          </a:p>
+          <a:p>
+            <a:r>
+              <a:rPr lang="de-DE" dirty="0"/>
+              <a:t>Rentabilität</a:t>
+            </a:r>
+          </a:p>
+          <a:p>
+            <a:pPr lvl="1"/>
+            <a:r>
+              <a:rPr lang="de-DE" dirty="0"/>
+              <a:t>Lüfterkosten gering, Zeitaufwand gering</a:t>
+            </a:r>
+          </a:p>
+          <a:p>
+            <a:pPr lvl="1"/>
+            <a:endParaRPr lang="de-DE" dirty="0"/>
+          </a:p>
+          <a:p>
+            <a:r>
+              <a:rPr lang="de-DE" dirty="0"/>
+              <a:t>Nachhaltigkeit</a:t>
+            </a:r>
+          </a:p>
+          <a:p>
+            <a:pPr lvl="1"/>
+            <a:r>
+              <a:rPr lang="de-DE" dirty="0"/>
+              <a:t>Lüfter getauscht, anstelle von Laptop</a:t>
+            </a:r>
+          </a:p>
+        </p:txBody>
+      </p:sp>
+      <p:sp>
+        <p:nvSpPr>
+          <p:cNvPr id="4" name="Date Placeholder 3">
+            <a:extLst>
+              <a:ext uri="{FF2B5EF4-FFF2-40B4-BE49-F238E27FC236}">
+                <a16:creationId xmlns:a16="http://schemas.microsoft.com/office/drawing/2014/main" id="{FD54505F-9E79-492E-A798-ABCFFA2B8961}"/>
+              </a:ext>
+            </a:extLst>
+          </p:cNvPr>
+          <p:cNvSpPr>
+            <a:spLocks noGrp="1"/>
+          </p:cNvSpPr>
+          <p:nvPr>
+            <p:ph type="dt" sz="half" idx="10"/>
+          </p:nvPr>
+        </p:nvSpPr>
+        <p:spPr/>
+        <p:txBody>
+          <a:bodyPr/>
+          <a:lstStyle/>
+          <a:p>
+            <a:fld id="{73F122BF-52E0-483C-9D91-4E34C2C78CF7}" type="datetime1">
+              <a:rPr lang="de-DE" smtClean="0"/>
+              <a:t>26.01.2023</a:t>
+            </a:fld>
+            <a:endParaRPr lang="de-DE"/>
+          </a:p>
+        </p:txBody>
+      </p:sp>
+      <p:sp>
+        <p:nvSpPr>
+          <p:cNvPr id="5" name="Footer Placeholder 4">
+            <a:extLst>
+              <a:ext uri="{FF2B5EF4-FFF2-40B4-BE49-F238E27FC236}">
+                <a16:creationId xmlns:a16="http://schemas.microsoft.com/office/drawing/2014/main" id="{7E597346-771E-444C-A6F1-8B53F5E9C464}"/>
+              </a:ext>
+            </a:extLst>
+          </p:cNvPr>
+          <p:cNvSpPr>
+            <a:spLocks noGrp="1"/>
+          </p:cNvSpPr>
+          <p:nvPr>
+            <p:ph type="ftr" sz="quarter" idx="11"/>
+          </p:nvPr>
+        </p:nvSpPr>
+        <p:spPr/>
+        <p:txBody>
+          <a:bodyPr/>
+          <a:lstStyle/>
+          <a:p>
+            <a:r>
+              <a:rPr lang="de-DE"/>
+              <a:t>©Daniel Kühnel, Max Ullmann</a:t>
+            </a:r>
+          </a:p>
+        </p:txBody>
+      </p:sp>
+      <p:sp>
+        <p:nvSpPr>
+          <p:cNvPr id="6" name="Slide Number Placeholder 5">
+            <a:extLst>
+              <a:ext uri="{FF2B5EF4-FFF2-40B4-BE49-F238E27FC236}">
+                <a16:creationId xmlns:a16="http://schemas.microsoft.com/office/drawing/2014/main" id="{1673D114-C2BC-4E79-8793-D50DC0C14521}"/>
+              </a:ext>
+            </a:extLst>
+          </p:cNvPr>
+          <p:cNvSpPr>
+            <a:spLocks noGrp="1"/>
+          </p:cNvSpPr>
+          <p:nvPr>
+            <p:ph type="sldNum" sz="quarter" idx="12"/>
+          </p:nvPr>
+        </p:nvSpPr>
+        <p:spPr/>
+        <p:txBody>
+          <a:bodyPr/>
+          <a:lstStyle/>
+          <a:p>
+            <a:fld id="{65E718DF-B0D6-46C6-A056-C9ACE8A44231}" type="slidenum">
+              <a:rPr lang="de-DE" smtClean="0"/>
+              <a:t>8</a:t>
+            </a:fld>
+            <a:endParaRPr lang="de-DE"/>
+          </a:p>
+        </p:txBody>
+      </p:sp>
+    </p:spTree>
+    <p:extLst>
+      <p:ext uri="{BB962C8B-B14F-4D97-AF65-F5344CB8AC3E}">
+        <p14:creationId xmlns:p14="http://schemas.microsoft.com/office/powerpoint/2010/main" val="1652364014"/>
       </p:ext>
     </p:extLst>
   </p:cSld>
@@ -3772,4 +5744,299 @@
     </a:ext>
   </a:extLst>
 </a:theme>
+</file>
+
+<file path=ppt/theme/theme2.xml><?xml version="1.0" encoding="utf-8"?>
+<a:theme xmlns:a="http://schemas.openxmlformats.org/drawingml/2006/main" name="Office Theme">
+  <a:themeElements>
+    <a:clrScheme name="Office">
+      <a:dk1>
+        <a:sysClr val="windowText" lastClr="000000"/>
+      </a:dk1>
+      <a:lt1>
+        <a:sysClr val="window" lastClr="FFFFFF"/>
+      </a:lt1>
+      <a:dk2>
+        <a:srgbClr val="44546A"/>
+      </a:dk2>
+      <a:lt2>
+        <a:srgbClr val="E7E6E6"/>
+      </a:lt2>
+      <a:accent1>
+        <a:srgbClr val="4472C4"/>
+      </a:accent1>
+      <a:accent2>
+        <a:srgbClr val="ED7D31"/>
+      </a:accent2>
+      <a:accent3>
+        <a:srgbClr val="A5A5A5"/>
+      </a:accent3>
+      <a:accent4>
+        <a:srgbClr val="FFC000"/>
+      </a:accent4>
+      <a:accent5>
+        <a:srgbClr val="5B9BD5"/>
+      </a:accent5>
+      <a:accent6>
+        <a:srgbClr val="70AD47"/>
+      </a:accent6>
+      <a:hlink>
+        <a:srgbClr val="0563C1"/>
+      </a:hlink>
+      <a:folHlink>
+        <a:srgbClr val="954F72"/>
+      </a:folHlink>
+    </a:clrScheme>
+    <a:fontScheme name="Office">
+      <a:majorFont>
+        <a:latin typeface="Calibri Light" panose="020F0302020204030204"/>
+        <a:ea typeface=""/>
+        <a:cs typeface=""/>
+        <a:font script="Jpan" typeface="游ゴシック Light"/>
+        <a:font script="Hang" typeface="맑은 고딕"/>
+        <a:font script="Hans" typeface="等线 Light"/>
+        <a:font script="Hant" typeface="新細明體"/>
+        <a:font script="Arab" typeface="Times New Roman"/>
+        <a:font script="Hebr" typeface="Times New Roman"/>
+        <a:font script="Thai" typeface="Angsana New"/>
+        <a:font script="Ethi" typeface="Nyala"/>
+        <a:font script="Beng" typeface="Vrinda"/>
+        <a:font script="Gujr" typeface="Shruti"/>
+        <a:font script="Khmr" typeface="MoolBoran"/>
+        <a:font script="Knda" typeface="Tunga"/>
+        <a:font script="Guru" typeface="Raavi"/>
+        <a:font script="Cans" typeface="Euphemia"/>
+        <a:font script="Cher" typeface="Plantagenet Cherokee"/>
+        <a:font script="Yiii" typeface="Microsoft Yi Baiti"/>
+        <a:font script="Tibt" typeface="Microsoft Himalaya"/>
+        <a:font script="Thaa" typeface="MV Boli"/>
+        <a:font script="Deva" typeface="Mangal"/>
+        <a:font script="Telu" typeface="Gautami"/>
+        <a:font script="Taml" typeface="Latha"/>
+        <a:font script="Syrc" typeface="Estrangelo Edessa"/>
+        <a:font script="Orya" typeface="Kalinga"/>
+        <a:font script="Mlym" typeface="Kartika"/>
+        <a:font script="Laoo" typeface="DokChampa"/>
+        <a:font script="Sinh" typeface="Iskoola Pota"/>
+        <a:font script="Mong" typeface="Mongolian Baiti"/>
+        <a:font script="Viet" typeface="Times New Roman"/>
+        <a:font script="Uigh" typeface="Microsoft Uighur"/>
+        <a:font script="Geor" typeface="Sylfaen"/>
+        <a:font script="Armn" typeface="Arial"/>
+        <a:font script="Bugi" typeface="Leelawadee UI"/>
+        <a:font script="Bopo" typeface="Microsoft JhengHei"/>
+        <a:font script="Java" typeface="Javanese Text"/>
+        <a:font script="Lisu" typeface="Segoe UI"/>
+        <a:font script="Mymr" typeface="Myanmar Text"/>
+        <a:font script="Nkoo" typeface="Ebrima"/>
+        <a:font script="Olck" typeface="Nirmala UI"/>
+        <a:font script="Osma" typeface="Ebrima"/>
+        <a:font script="Phag" typeface="Phagspa"/>
+        <a:font script="Syrn" typeface="Estrangelo Edessa"/>
+        <a:font script="Syrj" typeface="Estrangelo Edessa"/>
+        <a:font script="Syre" typeface="Estrangelo Edessa"/>
+        <a:font script="Sora" typeface="Nirmala UI"/>
+        <a:font script="Tale" typeface="Microsoft Tai Le"/>
+        <a:font script="Talu" typeface="Microsoft New Tai Lue"/>
+        <a:font script="Tfng" typeface="Ebrima"/>
+      </a:majorFont>
+      <a:minorFont>
+        <a:latin typeface="Calibri" panose="020F0502020204030204"/>
+        <a:ea typeface=""/>
+        <a:cs typeface=""/>
+        <a:font script="Jpan" typeface="游ゴシック"/>
+        <a:font script="Hang" typeface="맑은 고딕"/>
+        <a:font script="Hans" typeface="等线"/>
+        <a:font script="Hant" typeface="新細明體"/>
+        <a:font script="Arab" typeface="Arial"/>
+        <a:font script="Hebr" typeface="Arial"/>
+        <a:font script="Thai" typeface="Cordia New"/>
+        <a:font script="Ethi" typeface="Nyala"/>
+        <a:font script="Beng" typeface="Vrinda"/>
+        <a:font script="Gujr" typeface="Shruti"/>
+        <a:font script="Khmr" typeface="DaunPenh"/>
+        <a:font script="Knda" typeface="Tunga"/>
+        <a:font script="Guru" typeface="Raavi"/>
+        <a:font script="Cans" typeface="Euphemia"/>
+        <a:font script="Cher" typeface="Plantagenet Cherokee"/>
+        <a:font script="Yiii" typeface="Microsoft Yi Baiti"/>
+        <a:font script="Tibt" typeface="Microsoft Himalaya"/>
+        <a:font script="Thaa" typeface="MV Boli"/>
+        <a:font script="Deva" typeface="Mangal"/>
+        <a:font script="Telu" typeface="Gautami"/>
+        <a:font script="Taml" typeface="Latha"/>
+        <a:font script="Syrc" typeface="Estrangelo Edessa"/>
+        <a:font script="Orya" typeface="Kalinga"/>
+        <a:font script="Mlym" typeface="Kartika"/>
+        <a:font script="Laoo" typeface="DokChampa"/>
+        <a:font script="Sinh" typeface="Iskoola Pota"/>
+        <a:font script="Mong" typeface="Mongolian Baiti"/>
+        <a:font script="Viet" typeface="Arial"/>
+        <a:font script="Uigh" typeface="Microsoft Uighur"/>
+        <a:font script="Geor" typeface="Sylfaen"/>
+        <a:font script="Armn" typeface="Arial"/>
+        <a:font script="Bugi" typeface="Leelawadee UI"/>
+        <a:font script="Bopo" typeface="Microsoft JhengHei"/>
+        <a:font script="Java" typeface="Javanese Text"/>
+        <a:font script="Lisu" typeface="Segoe UI"/>
+        <a:font script="Mymr" typeface="Myanmar Text"/>
+        <a:font script="Nkoo" typeface="Ebrima"/>
+        <a:font script="Olck" typeface="Nirmala UI"/>
+        <a:font script="Osma" typeface="Ebrima"/>
+        <a:font script="Phag" typeface="Phagspa"/>
+        <a:font script="Syrn" typeface="Estrangelo Edessa"/>
+        <a:font script="Syrj" typeface="Estrangelo Edessa"/>
+        <a:font script="Syre" typeface="Estrangelo Edessa"/>
+        <a:font script="Sora" typeface="Nirmala UI"/>
+        <a:font script="Tale" typeface="Microsoft Tai Le"/>
+        <a:font script="Talu" typeface="Microsoft New Tai Lue"/>
+        <a:font script="Tfng" typeface="Ebrima"/>
+      </a:minorFont>
+    </a:fontScheme>
+    <a:fmtScheme name="Office">
+      <a:fillStyleLst>
+        <a:solidFill>
+          <a:schemeClr val="phClr"/>
+        </a:solidFill>
+        <a:gradFill rotWithShape="1">
+          <a:gsLst>
+            <a:gs pos="0">
+              <a:schemeClr val="phClr">
+                <a:lumMod val="110000"/>
+                <a:satMod val="105000"/>
+                <a:tint val="67000"/>
+              </a:schemeClr>
+            </a:gs>
+            <a:gs pos="50000">
+              <a:schemeClr val="phClr">
+                <a:lumMod val="105000"/>
+                <a:satMod val="103000"/>
+                <a:tint val="73000"/>
+              </a:schemeClr>
+            </a:gs>
+            <a:gs pos="100000">
+              <a:schemeClr val="phClr">
+                <a:lumMod val="105000"/>
+                <a:satMod val="109000"/>
+                <a:tint val="81000"/>
+              </a:schemeClr>
+            </a:gs>
+          </a:gsLst>
+          <a:lin ang="5400000" scaled="0"/>
+        </a:gradFill>
+        <a:gradFill rotWithShape="1">
+          <a:gsLst>
+            <a:gs pos="0">
+              <a:schemeClr val="phClr">
+                <a:satMod val="103000"/>
+                <a:lumMod val="102000"/>
+                <a:tint val="94000"/>
+              </a:schemeClr>
+            </a:gs>
+            <a:gs pos="50000">
+              <a:schemeClr val="phClr">
+                <a:satMod val="110000"/>
+                <a:lumMod val="100000"/>
+                <a:shade val="100000"/>
+              </a:schemeClr>
+            </a:gs>
+            <a:gs pos="100000">
+              <a:schemeClr val="phClr">
+                <a:lumMod val="99000"/>
+                <a:satMod val="120000"/>
+                <a:shade val="78000"/>
+              </a:schemeClr>
+            </a:gs>
+          </a:gsLst>
+          <a:lin ang="5400000" scaled="0"/>
+        </a:gradFill>
+      </a:fillStyleLst>
+      <a:lnStyleLst>
+        <a:ln w="6350" cap="flat" cmpd="sng" algn="ctr">
+          <a:solidFill>
+            <a:schemeClr val="phClr"/>
+          </a:solidFill>
+          <a:prstDash val="solid"/>
+          <a:miter lim="800000"/>
+        </a:ln>
+        <a:ln w="12700" cap="flat" cmpd="sng" algn="ctr">
+          <a:solidFill>
+            <a:schemeClr val="phClr"/>
+          </a:solidFill>
+          <a:prstDash val="solid"/>
+          <a:miter lim="800000"/>
+        </a:ln>
+        <a:ln w="19050" cap="flat" cmpd="sng" algn="ctr">
+          <a:solidFill>
+            <a:schemeClr val="phClr"/>
+          </a:solidFill>
+          <a:prstDash val="solid"/>
+          <a:miter lim="800000"/>
+        </a:ln>
+      </a:lnStyleLst>
+      <a:effectStyleLst>
+        <a:effectStyle>
+          <a:effectLst/>
+        </a:effectStyle>
+        <a:effectStyle>
+          <a:effectLst/>
+        </a:effectStyle>
+        <a:effectStyle>
+          <a:effectLst>
+            <a:outerShdw blurRad="57150" dist="19050" dir="5400000" algn="ctr" rotWithShape="0">
+              <a:srgbClr val="000000">
+                <a:alpha val="63000"/>
+              </a:srgbClr>
+            </a:outerShdw>
+          </a:effectLst>
+        </a:effectStyle>
+      </a:effectStyleLst>
+      <a:bgFillStyleLst>
+        <a:solidFill>
+          <a:schemeClr val="phClr"/>
+        </a:solidFill>
+        <a:solidFill>
+          <a:schemeClr val="phClr">
+            <a:tint val="95000"/>
+            <a:satMod val="170000"/>
+          </a:schemeClr>
+        </a:solidFill>
+        <a:gradFill rotWithShape="1">
+          <a:gsLst>
+            <a:gs pos="0">
+              <a:schemeClr val="phClr">
+                <a:tint val="93000"/>
+                <a:satMod val="150000"/>
+                <a:shade val="98000"/>
+                <a:lumMod val="102000"/>
+              </a:schemeClr>
+            </a:gs>
+            <a:gs pos="50000">
+              <a:schemeClr val="phClr">
+                <a:tint val="98000"/>
+                <a:satMod val="130000"/>
+                <a:shade val="90000"/>
+                <a:lumMod val="103000"/>
+              </a:schemeClr>
+            </a:gs>
+            <a:gs pos="100000">
+              <a:schemeClr val="phClr">
+                <a:shade val="63000"/>
+                <a:satMod val="120000"/>
+              </a:schemeClr>
+            </a:gs>
+          </a:gsLst>
+          <a:lin ang="5400000" scaled="0"/>
+        </a:gradFill>
+      </a:bgFillStyleLst>
+    </a:fmtScheme>
+  </a:themeElements>
+  <a:objectDefaults/>
+  <a:extraClrSchemeLst/>
+  <a:extLst>
+    <a:ext uri="{05A4C25C-085E-4340-85A3-A5531E510DB2}">
+      <thm15:themeFamily xmlns:thm15="http://schemas.microsoft.com/office/thememl/2012/main" name="Office Theme" id="{62F939B6-93AF-4DB8-9C6B-D6C7DFDC589F}" vid="{4A3C46E8-61CC-4603-A589-7422A47A8E4A}"/>
+    </a:ext>
+  </a:extLst>
+</a:theme>
 </file>